--- a/512pp.pptx
+++ b/512pp.pptx
@@ -15,9 +15,9 @@
     <p:sldId id="265" r:id="rId9"/>
     <p:sldId id="266" r:id="rId10"/>
     <p:sldId id="263" r:id="rId11"/>
-    <p:sldId id="271" r:id="rId12"/>
-    <p:sldId id="269" r:id="rId13"/>
-    <p:sldId id="270" r:id="rId14"/>
+    <p:sldId id="269" r:id="rId12"/>
+    <p:sldId id="270" r:id="rId13"/>
+    <p:sldId id="271" r:id="rId14"/>
     <p:sldId id="272" r:id="rId15"/>
     <p:sldId id="260" r:id="rId16"/>
     <p:sldId id="262" r:id="rId17"/>
@@ -4961,27 +4961,224 @@
       </p:sp>
       <p:sp>
         <p:nvSpPr>
-          <p:cNvPr id="3" name="Content Placeholder 2"/>
-          <p:cNvSpPr>
-            <a:spLocks noGrp="1"/>
-          </p:cNvSpPr>
-          <p:nvPr>
-            <p:ph idx="1"/>
-          </p:nvPr>
-        </p:nvSpPr>
-        <p:spPr/>
-        <p:txBody>
-          <a:bodyPr/>
-          <a:lstStyle/>
-          <a:p>
-            <a:pPr>
+          <p:cNvPr id="4" name="TextBox 3"/>
+          <p:cNvSpPr txBox="1"/>
+          <p:nvPr/>
+        </p:nvSpPr>
+        <p:spPr>
+          <a:xfrm>
+            <a:off x="768637" y="1329767"/>
+            <a:ext cx="7758203" cy="1918474"/>
+          </a:xfrm>
+          <a:prstGeom prst="rect">
+            <a:avLst/>
+          </a:prstGeom>
+          <a:solidFill>
+            <a:srgbClr val="FFCC00"/>
+          </a:solidFill>
+          <a:ln>
+            <a:solidFill>
+              <a:schemeClr val="tx2"/>
+            </a:solidFill>
+          </a:ln>
+        </p:spPr>
+        <p:txBody>
+          <a:bodyPr wrap="square" rtlCol="0">
+            <a:spAutoFit/>
+          </a:bodyPr>
+          <a:lstStyle/>
+          <a:p>
+            <a:pPr marL="285750" indent="-285750">
+              <a:lnSpc>
+                <a:spcPct val="150000"/>
+              </a:lnSpc>
               <a:buFont typeface="Arial"/>
               <a:buChar char="•"/>
             </a:pPr>
-            <a:endParaRPr lang="en-US" dirty="0"/>
-          </a:p>
-        </p:txBody>
-      </p:sp>
+            <a:r>
+              <a:rPr lang="en-US" sz="1600" dirty="0" smtClean="0">
+                <a:solidFill>
+                  <a:srgbClr val="024761"/>
+                </a:solidFill>
+                <a:latin typeface="Avenir Book"/>
+                <a:cs typeface="Avenir Book"/>
+              </a:rPr>
+              <a:t>Maintain table of transactions with associated </a:t>
+            </a:r>
+            <a:r>
+              <a:rPr lang="en-US" sz="1600" i="1" dirty="0" err="1" smtClean="0">
+                <a:solidFill>
+                  <a:srgbClr val="024761"/>
+                </a:solidFill>
+                <a:latin typeface="Avenir Book"/>
+                <a:cs typeface="Avenir Book"/>
+              </a:rPr>
+              <a:t>expireTime</a:t>
+            </a:r>
+            <a:r>
+              <a:rPr lang="en-US" sz="1600" i="1" dirty="0" smtClean="0">
+                <a:solidFill>
+                  <a:srgbClr val="024761"/>
+                </a:solidFill>
+                <a:latin typeface="Avenir Book"/>
+                <a:cs typeface="Avenir Book"/>
+              </a:rPr>
+              <a:t> in </a:t>
+            </a:r>
+            <a:r>
+              <a:rPr lang="en-US" sz="1600" i="1" dirty="0" err="1" smtClean="0">
+                <a:solidFill>
+                  <a:srgbClr val="024761"/>
+                </a:solidFill>
+                <a:latin typeface="Avenir Book"/>
+                <a:cs typeface="Avenir Book"/>
+              </a:rPr>
+              <a:t>TransactionManager</a:t>
+            </a:r>
+            <a:endParaRPr lang="en-US" sz="1600" dirty="0">
+              <a:solidFill>
+                <a:srgbClr val="024761"/>
+              </a:solidFill>
+              <a:latin typeface="Avenir Book"/>
+              <a:cs typeface="Avenir Book"/>
+            </a:endParaRPr>
+          </a:p>
+          <a:p>
+            <a:pPr marL="285750" indent="-285750">
+              <a:lnSpc>
+                <a:spcPct val="150000"/>
+              </a:lnSpc>
+              <a:buFont typeface="Arial"/>
+              <a:buChar char="•"/>
+            </a:pPr>
+            <a:r>
+              <a:rPr lang="en-US" sz="1600" dirty="0" smtClean="0">
+                <a:solidFill>
+                  <a:srgbClr val="024761"/>
+                </a:solidFill>
+                <a:latin typeface="Avenir Book"/>
+                <a:cs typeface="Avenir Book"/>
+              </a:rPr>
+              <a:t>New Transaction : set time &amp; reset timer for every new operation</a:t>
+            </a:r>
+          </a:p>
+          <a:p>
+            <a:pPr marL="285750" indent="-285750">
+              <a:lnSpc>
+                <a:spcPct val="150000"/>
+              </a:lnSpc>
+              <a:buFont typeface="Arial"/>
+              <a:buChar char="•"/>
+            </a:pPr>
+            <a:r>
+              <a:rPr lang="en-US" sz="1600" dirty="0" smtClean="0">
+                <a:solidFill>
+                  <a:srgbClr val="024761"/>
+                </a:solidFill>
+                <a:latin typeface="Avenir Book"/>
+                <a:cs typeface="Avenir Book"/>
+              </a:rPr>
+              <a:t>Clean Up: traverse through table and abort all expired time (</a:t>
+            </a:r>
+            <a:r>
+              <a:rPr lang="en-US" sz="1600" i="1" dirty="0" err="1" smtClean="0">
+                <a:solidFill>
+                  <a:srgbClr val="024761"/>
+                </a:solidFill>
+                <a:latin typeface="Avenir Book"/>
+                <a:cs typeface="Avenir Book"/>
+              </a:rPr>
+              <a:t>expireTime</a:t>
+            </a:r>
+            <a:r>
+              <a:rPr lang="en-US" sz="1600" i="1" dirty="0" smtClean="0">
+                <a:solidFill>
+                  <a:srgbClr val="024761"/>
+                </a:solidFill>
+                <a:latin typeface="Avenir Book"/>
+                <a:cs typeface="Avenir Book"/>
+              </a:rPr>
+              <a:t> &lt; </a:t>
+            </a:r>
+            <a:r>
+              <a:rPr lang="en-US" sz="1600" i="1" dirty="0" err="1" smtClean="0">
+                <a:solidFill>
+                  <a:srgbClr val="024761"/>
+                </a:solidFill>
+                <a:latin typeface="Avenir Book"/>
+                <a:cs typeface="Avenir Book"/>
+              </a:rPr>
+              <a:t>currentTime</a:t>
+            </a:r>
+            <a:r>
+              <a:rPr lang="en-US" sz="1600" i="1" dirty="0" smtClean="0">
+                <a:solidFill>
+                  <a:srgbClr val="024761"/>
+                </a:solidFill>
+                <a:latin typeface="Avenir Book"/>
+                <a:cs typeface="Avenir Book"/>
+              </a:rPr>
+              <a:t>)</a:t>
+            </a:r>
+            <a:r>
+              <a:rPr lang="en-US" sz="1600" dirty="0" smtClean="0">
+                <a:solidFill>
+                  <a:srgbClr val="024761"/>
+                </a:solidFill>
+                <a:latin typeface="Avenir Book"/>
+                <a:cs typeface="Avenir Book"/>
+              </a:rPr>
+              <a:t> </a:t>
+            </a:r>
+          </a:p>
+          <a:p>
+            <a:pPr marL="285750" indent="-285750">
+              <a:lnSpc>
+                <a:spcPct val="150000"/>
+              </a:lnSpc>
+              <a:buFont typeface="Arial"/>
+              <a:buChar char="•"/>
+            </a:pPr>
+            <a:endParaRPr lang="en-US" sz="1600" dirty="0" smtClean="0">
+              <a:solidFill>
+                <a:srgbClr val="024761"/>
+              </a:solidFill>
+              <a:latin typeface="Avenir Book"/>
+              <a:cs typeface="Avenir Book"/>
+            </a:endParaRPr>
+          </a:p>
+        </p:txBody>
+      </p:sp>
+      <p:pic>
+        <p:nvPicPr>
+          <p:cNvPr id="5" name="Picture 4" descr="Screen Shot 2015-11-30 at 8.05.22 PM.png"/>
+          <p:cNvPicPr>
+            <a:picLocks noChangeAspect="1"/>
+          </p:cNvPicPr>
+          <p:nvPr/>
+        </p:nvPicPr>
+        <p:blipFill>
+          <a:blip r:embed="rId2">
+            <a:extLst>
+              <a:ext uri="{28A0092B-C50C-407E-A947-70E740481C1C}">
+                <a14:useLocalDpi xmlns:a14="http://schemas.microsoft.com/office/drawing/2010/main" val="0"/>
+              </a:ext>
+            </a:extLst>
+          </a:blip>
+          <a:stretch>
+            <a:fillRect/>
+          </a:stretch>
+        </p:blipFill>
+        <p:spPr>
+          <a:xfrm>
+            <a:off x="768637" y="3248241"/>
+            <a:ext cx="7758203" cy="3609759"/>
+          </a:xfrm>
+          <a:prstGeom prst="rect">
+            <a:avLst/>
+          </a:prstGeom>
+        </p:spPr>
+      </p:pic>
     </p:spTree>
     <p:extLst>
       <p:ext uri="{BB962C8B-B14F-4D97-AF65-F5344CB8AC3E}">
@@ -5029,7 +5226,7 @@
           <a:p>
             <a:r>
               <a:rPr lang="en-US" dirty="0" smtClean="0"/>
-              <a:t>shadowing</a:t>
+              <a:t>Data storage</a:t>
             </a:r>
             <a:endParaRPr lang="en-US" dirty="0"/>
           </a:p>
@@ -5037,24 +5234,23 @@
       </p:sp>
       <p:sp>
         <p:nvSpPr>
-          <p:cNvPr id="4" name="Rectangle 3"/>
+          <p:cNvPr id="3" name="Right Triangle 2"/>
           <p:cNvSpPr/>
           <p:nvPr/>
         </p:nvSpPr>
         <p:spPr>
-          <a:xfrm>
-            <a:off x="820121" y="2089918"/>
-            <a:ext cx="1399327" cy="822960"/>
-          </a:xfrm>
-          <a:prstGeom prst="rect">
+          <a:xfrm rot="16200000">
+            <a:off x="3101334" y="-1014980"/>
+            <a:ext cx="5027687" cy="7057645"/>
+          </a:xfrm>
+          <a:prstGeom prst="rtTriangle">
             <a:avLst/>
           </a:prstGeom>
-          <a:noFill/>
-          <a:ln>
-            <a:solidFill>
-              <a:schemeClr val="accent2"/>
-            </a:solidFill>
-          </a:ln>
+          <a:solidFill>
+            <a:schemeClr val="accent3">
+              <a:alpha val="43000"/>
+            </a:schemeClr>
+          </a:solidFill>
         </p:spPr>
         <p:style>
           <a:lnRef idx="1">
@@ -5071,17 +5267,170 @@
           </a:fontRef>
         </p:style>
         <p:txBody>
-          <a:bodyPr/>
-          <a:lstStyle/>
-          <a:p>
+          <a:bodyPr rtlCol="0" anchor="ctr"/>
+          <a:lstStyle/>
+          <a:p>
+            <a:pPr algn="ctr"/>
             <a:endParaRPr lang="en-US"/>
+          </a:p>
+        </p:txBody>
+      </p:sp>
+      <p:sp>
+        <p:nvSpPr>
+          <p:cNvPr id="7" name="TextBox 6"/>
+          <p:cNvSpPr txBox="1"/>
+          <p:nvPr/>
+        </p:nvSpPr>
+        <p:spPr>
+          <a:xfrm>
+            <a:off x="822960" y="1074853"/>
+            <a:ext cx="5695278" cy="441146"/>
+          </a:xfrm>
+          <a:prstGeom prst="rect">
+            <a:avLst/>
+          </a:prstGeom>
+          <a:noFill/>
+          <a:ln>
+            <a:noFill/>
+          </a:ln>
+        </p:spPr>
+        <p:txBody>
+          <a:bodyPr wrap="square" rtlCol="0">
+            <a:spAutoFit/>
+          </a:bodyPr>
+          <a:lstStyle/>
+          <a:p>
+            <a:pPr marL="285750" indent="-285750">
+              <a:lnSpc>
+                <a:spcPct val="150000"/>
+              </a:lnSpc>
+              <a:buFont typeface="Arial"/>
+              <a:buChar char="•"/>
+            </a:pPr>
+            <a:r>
+              <a:rPr lang="en-US" sz="1600" dirty="0" smtClean="0">
+                <a:solidFill>
+                  <a:srgbClr val="024761"/>
+                </a:solidFill>
+                <a:latin typeface="Avenir Book"/>
+                <a:cs typeface="Avenir Book"/>
+              </a:rPr>
+              <a:t>MIDDLEWARE: Stores customer data &amp; information</a:t>
+            </a:r>
+          </a:p>
+        </p:txBody>
+      </p:sp>
+      <p:sp>
+        <p:nvSpPr>
+          <p:cNvPr id="8" name="TextBox 7"/>
+          <p:cNvSpPr txBox="1"/>
+          <p:nvPr/>
+        </p:nvSpPr>
+        <p:spPr>
+          <a:xfrm>
+            <a:off x="822960" y="1862193"/>
+            <a:ext cx="5060301" cy="810478"/>
+          </a:xfrm>
+          <a:prstGeom prst="rect">
+            <a:avLst/>
+          </a:prstGeom>
+          <a:noFill/>
+          <a:ln>
+            <a:noFill/>
+          </a:ln>
+        </p:spPr>
+        <p:txBody>
+          <a:bodyPr wrap="square" rtlCol="0">
+            <a:spAutoFit/>
+          </a:bodyPr>
+          <a:lstStyle/>
+          <a:p>
+            <a:pPr marL="285750" indent="-285750">
+              <a:lnSpc>
+                <a:spcPct val="150000"/>
+              </a:lnSpc>
+              <a:buFont typeface="Arial"/>
+              <a:buChar char="•"/>
+            </a:pPr>
+            <a:r>
+              <a:rPr lang="en-US" sz="1600" dirty="0">
+                <a:solidFill>
+                  <a:srgbClr val="024761"/>
+                </a:solidFill>
+                <a:latin typeface="Avenir Book"/>
+                <a:cs typeface="Avenir Book"/>
+              </a:rPr>
+              <a:t>TRANSACTION MANAGER: Stores transaction information and TTL</a:t>
+            </a:r>
+          </a:p>
+        </p:txBody>
+      </p:sp>
+      <p:sp>
+        <p:nvSpPr>
+          <p:cNvPr id="10" name="TextBox 9"/>
+          <p:cNvSpPr txBox="1"/>
+          <p:nvPr/>
+        </p:nvSpPr>
+        <p:spPr>
+          <a:xfrm>
+            <a:off x="822960" y="2940353"/>
+            <a:ext cx="2883235" cy="1179810"/>
+          </a:xfrm>
+          <a:prstGeom prst="rect">
+            <a:avLst/>
+          </a:prstGeom>
+          <a:noFill/>
+          <a:ln>
+            <a:noFill/>
+          </a:ln>
+        </p:spPr>
+        <p:txBody>
+          <a:bodyPr wrap="square" rtlCol="0">
+            <a:spAutoFit/>
+          </a:bodyPr>
+          <a:lstStyle/>
+          <a:p>
+            <a:pPr marL="285750" indent="-285750">
+              <a:lnSpc>
+                <a:spcPct val="150000"/>
+              </a:lnSpc>
+              <a:buFont typeface="Arial"/>
+              <a:buChar char="•"/>
+            </a:pPr>
+            <a:r>
+              <a:rPr lang="en-US" sz="1600" dirty="0">
+                <a:solidFill>
+                  <a:srgbClr val="024761"/>
+                </a:solidFill>
+                <a:latin typeface="Avenir Book"/>
+                <a:cs typeface="Avenir Book"/>
+              </a:rPr>
+              <a:t>RESOURCE MANAGER: Reservations, flights, cars</a:t>
+            </a:r>
+            <a:r>
+              <a:rPr lang="is-IS" sz="1600" dirty="0">
+                <a:solidFill>
+                  <a:srgbClr val="024761"/>
+                </a:solidFill>
+                <a:latin typeface="Avenir Book"/>
+                <a:cs typeface="Avenir Book"/>
+              </a:rPr>
+              <a:t>…etc</a:t>
+            </a:r>
+            <a:endParaRPr lang="en-US" sz="1600" dirty="0">
+              <a:solidFill>
+                <a:srgbClr val="024761"/>
+              </a:solidFill>
+              <a:latin typeface="Avenir Book"/>
+              <a:cs typeface="Avenir Book"/>
+            </a:endParaRPr>
           </a:p>
         </p:txBody>
       </p:sp>
     </p:spTree>
     <p:extLst>
       <p:ext uri="{BB962C8B-B14F-4D97-AF65-F5344CB8AC3E}">
-        <p14:creationId xmlns:p14="http://schemas.microsoft.com/office/powerpoint/2010/main" val="566458225"/>
+        <p14:creationId xmlns:p14="http://schemas.microsoft.com/office/powerpoint/2010/main" val="583730403"/>
       </p:ext>
     </p:extLst>
   </p:cSld>
@@ -5125,7 +5474,11 @@
           <a:p>
             <a:r>
               <a:rPr lang="en-US" dirty="0" smtClean="0"/>
-              <a:t>Data storage</a:t>
+              <a:t>Data </a:t>
+            </a:r>
+            <a:r>
+              <a:rPr lang="en-US" dirty="0" smtClean="0"/>
+              <a:t>recovery – MW &amp; RM</a:t>
             </a:r>
             <a:endParaRPr lang="en-US" dirty="0"/>
           </a:p>
@@ -5133,51 +5486,174 @@
       </p:sp>
       <p:sp>
         <p:nvSpPr>
-          <p:cNvPr id="4" name="Rectangle 3"/>
-          <p:cNvSpPr/>
+          <p:cNvPr id="5" name="TextBox 4"/>
+          <p:cNvSpPr txBox="1"/>
           <p:nvPr/>
         </p:nvSpPr>
         <p:spPr>
           <a:xfrm>
-            <a:off x="820121" y="2089918"/>
-            <a:ext cx="1399327" cy="822960"/>
+            <a:off x="453557" y="1329767"/>
+            <a:ext cx="8436128" cy="1918474"/>
           </a:xfrm>
           <a:prstGeom prst="rect">
             <a:avLst/>
           </a:prstGeom>
-          <a:noFill/>
+          <a:solidFill>
+            <a:srgbClr val="FFCC00"/>
+          </a:solidFill>
           <a:ln>
             <a:solidFill>
-              <a:schemeClr val="accent2"/>
+              <a:schemeClr val="tx2"/>
             </a:solidFill>
           </a:ln>
         </p:spPr>
-        <p:style>
-          <a:lnRef idx="1">
-            <a:schemeClr val="accent1"/>
-          </a:lnRef>
-          <a:fillRef idx="3">
-            <a:schemeClr val="accent1"/>
-          </a:fillRef>
-          <a:effectRef idx="2">
-            <a:schemeClr val="accent1"/>
-          </a:effectRef>
-          <a:fontRef idx="minor">
-            <a:schemeClr val="lt1"/>
-          </a:fontRef>
-        </p:style>
-        <p:txBody>
-          <a:bodyPr/>
-          <a:lstStyle/>
-          <a:p>
-            <a:endParaRPr lang="en-US"/>
-          </a:p>
-        </p:txBody>
-      </p:sp>
+        <p:txBody>
+          <a:bodyPr wrap="square" rtlCol="0">
+            <a:spAutoFit/>
+          </a:bodyPr>
+          <a:lstStyle/>
+          <a:p>
+            <a:pPr marL="285750" indent="-285750">
+              <a:lnSpc>
+                <a:spcPct val="150000"/>
+              </a:lnSpc>
+              <a:buFont typeface="Arial"/>
+              <a:buChar char="•"/>
+            </a:pPr>
+            <a:r>
+              <a:rPr lang="en-US" sz="1600" dirty="0" smtClean="0">
+                <a:solidFill>
+                  <a:srgbClr val="024761"/>
+                </a:solidFill>
+                <a:latin typeface="Avenir Book"/>
+                <a:cs typeface="Avenir Book"/>
+              </a:rPr>
+              <a:t>Save periodically to backup files (Within </a:t>
+            </a:r>
+            <a:r>
+              <a:rPr lang="en-US" sz="1600" i="1" dirty="0" smtClean="0">
+                <a:solidFill>
+                  <a:srgbClr val="024761"/>
+                </a:solidFill>
+                <a:latin typeface="Avenir Book"/>
+                <a:cs typeface="Avenir Book"/>
+              </a:rPr>
+              <a:t>Storage</a:t>
+            </a:r>
+            <a:r>
+              <a:rPr lang="en-US" sz="1600" dirty="0" smtClean="0">
+                <a:solidFill>
+                  <a:srgbClr val="024761"/>
+                </a:solidFill>
+                <a:latin typeface="Avenir Book"/>
+                <a:cs typeface="Avenir Book"/>
+              </a:rPr>
+              <a:t> class)</a:t>
+            </a:r>
+          </a:p>
+          <a:p>
+            <a:pPr marL="285750" indent="-285750">
+              <a:lnSpc>
+                <a:spcPct val="150000"/>
+              </a:lnSpc>
+              <a:buFont typeface="Arial"/>
+              <a:buChar char="•"/>
+            </a:pPr>
+            <a:r>
+              <a:rPr lang="en-US" sz="1600" dirty="0" smtClean="0">
+                <a:solidFill>
+                  <a:srgbClr val="024761"/>
+                </a:solidFill>
+                <a:latin typeface="Avenir Book"/>
+                <a:cs typeface="Avenir Book"/>
+              </a:rPr>
+              <a:t>Upon startup of server (MW or RM) check for existing backup file</a:t>
+            </a:r>
+          </a:p>
+          <a:p>
+            <a:pPr marL="285750" indent="-285750">
+              <a:lnSpc>
+                <a:spcPct val="150000"/>
+              </a:lnSpc>
+              <a:buFont typeface="Arial"/>
+              <a:buChar char="•"/>
+            </a:pPr>
+            <a:endParaRPr lang="en-US" sz="1600" dirty="0" smtClean="0">
+              <a:solidFill>
+                <a:srgbClr val="024761"/>
+              </a:solidFill>
+              <a:latin typeface="Avenir Book"/>
+              <a:cs typeface="Avenir Book"/>
+            </a:endParaRPr>
+          </a:p>
+          <a:p>
+            <a:pPr marL="285750" indent="-285750">
+              <a:lnSpc>
+                <a:spcPct val="150000"/>
+              </a:lnSpc>
+              <a:buFont typeface="Arial"/>
+              <a:buChar char="•"/>
+            </a:pPr>
+            <a:endParaRPr lang="en-US" sz="1600" dirty="0">
+              <a:solidFill>
+                <a:srgbClr val="024761"/>
+              </a:solidFill>
+              <a:latin typeface="Avenir Book"/>
+              <a:cs typeface="Avenir Book"/>
+            </a:endParaRPr>
+          </a:p>
+          <a:p>
+            <a:pPr marL="285750" indent="-285750">
+              <a:lnSpc>
+                <a:spcPct val="150000"/>
+              </a:lnSpc>
+              <a:buFont typeface="Arial"/>
+              <a:buChar char="•"/>
+            </a:pPr>
+            <a:endParaRPr lang="en-US" sz="1600" dirty="0" smtClean="0">
+              <a:solidFill>
+                <a:srgbClr val="024761"/>
+              </a:solidFill>
+              <a:latin typeface="Avenir Book"/>
+              <a:cs typeface="Avenir Book"/>
+            </a:endParaRPr>
+          </a:p>
+        </p:txBody>
+      </p:sp>
+      <p:pic>
+        <p:nvPicPr>
+          <p:cNvPr id="3" name="Picture 2" descr="Screen Shot 2015-11-30 at 8.25.57 PM.png"/>
+          <p:cNvPicPr>
+            <a:picLocks noChangeAspect="1"/>
+          </p:cNvPicPr>
+          <p:nvPr/>
+        </p:nvPicPr>
+        <p:blipFill>
+          <a:blip r:embed="rId2">
+            <a:extLst>
+              <a:ext uri="{28A0092B-C50C-407E-A947-70E740481C1C}">
+                <a14:useLocalDpi xmlns:a14="http://schemas.microsoft.com/office/drawing/2010/main" val="0"/>
+              </a:ext>
+            </a:extLst>
+          </a:blip>
+          <a:stretch>
+            <a:fillRect/>
+          </a:stretch>
+        </p:blipFill>
+        <p:spPr>
+          <a:xfrm>
+            <a:off x="453556" y="2941457"/>
+            <a:ext cx="8436129" cy="3916543"/>
+          </a:xfrm>
+          <a:prstGeom prst="rect">
+            <a:avLst/>
+          </a:prstGeom>
+        </p:spPr>
+      </p:pic>
     </p:spTree>
     <p:extLst>
       <p:ext uri="{BB962C8B-B14F-4D97-AF65-F5344CB8AC3E}">
-        <p14:creationId xmlns:p14="http://schemas.microsoft.com/office/powerpoint/2010/main" val="583730403"/>
+        <p14:creationId xmlns:p14="http://schemas.microsoft.com/office/powerpoint/2010/main" val="566458225"/>
       </p:ext>
     </p:extLst>
   </p:cSld>
@@ -5221,52 +5697,9 @@
           <a:p>
             <a:r>
               <a:rPr lang="en-US" dirty="0" smtClean="0"/>
-              <a:t>Data recovery</a:t>
+              <a:t>shadowing</a:t>
             </a:r>
             <a:endParaRPr lang="en-US" dirty="0"/>
-          </a:p>
-        </p:txBody>
-      </p:sp>
-      <p:sp>
-        <p:nvSpPr>
-          <p:cNvPr id="4" name="Rectangle 3"/>
-          <p:cNvSpPr/>
-          <p:nvPr/>
-        </p:nvSpPr>
-        <p:spPr>
-          <a:xfrm>
-            <a:off x="820121" y="2089918"/>
-            <a:ext cx="1399327" cy="822960"/>
-          </a:xfrm>
-          <a:prstGeom prst="rect">
-            <a:avLst/>
-          </a:prstGeom>
-          <a:noFill/>
-          <a:ln>
-            <a:solidFill>
-              <a:schemeClr val="accent2"/>
-            </a:solidFill>
-          </a:ln>
-        </p:spPr>
-        <p:style>
-          <a:lnRef idx="1">
-            <a:schemeClr val="accent1"/>
-          </a:lnRef>
-          <a:fillRef idx="3">
-            <a:schemeClr val="accent1"/>
-          </a:fillRef>
-          <a:effectRef idx="2">
-            <a:schemeClr val="accent1"/>
-          </a:effectRef>
-          <a:fontRef idx="minor">
-            <a:schemeClr val="lt1"/>
-          </a:fontRef>
-        </p:style>
-        <p:txBody>
-          <a:bodyPr/>
-          <a:lstStyle/>
-          <a:p>
-            <a:endParaRPr lang="en-US"/>
           </a:p>
         </p:txBody>
       </p:sp>
@@ -5325,44 +5758,79 @@
       </p:sp>
       <p:sp>
         <p:nvSpPr>
-          <p:cNvPr id="4" name="Rectangle 3"/>
-          <p:cNvSpPr/>
+          <p:cNvPr id="5" name="TextBox 4"/>
+          <p:cNvSpPr txBox="1"/>
           <p:nvPr/>
         </p:nvSpPr>
         <p:spPr>
           <a:xfrm>
-            <a:off x="820121" y="2089918"/>
-            <a:ext cx="1399327" cy="822960"/>
+            <a:off x="453557" y="1329767"/>
+            <a:ext cx="8436128" cy="1179810"/>
           </a:xfrm>
           <a:prstGeom prst="rect">
             <a:avLst/>
           </a:prstGeom>
-          <a:noFill/>
+          <a:solidFill>
+            <a:srgbClr val="FFCC00"/>
+          </a:solidFill>
           <a:ln>
             <a:solidFill>
-              <a:schemeClr val="accent2"/>
+              <a:schemeClr val="tx2"/>
             </a:solidFill>
           </a:ln>
         </p:spPr>
-        <p:style>
-          <a:lnRef idx="1">
-            <a:schemeClr val="accent1"/>
-          </a:lnRef>
-          <a:fillRef idx="3">
-            <a:schemeClr val="accent1"/>
-          </a:fillRef>
-          <a:effectRef idx="2">
-            <a:schemeClr val="accent1"/>
-          </a:effectRef>
-          <a:fontRef idx="minor">
-            <a:schemeClr val="lt1"/>
-          </a:fontRef>
-        </p:style>
-        <p:txBody>
-          <a:bodyPr/>
-          <a:lstStyle/>
-          <a:p>
-            <a:endParaRPr lang="en-US"/>
+        <p:txBody>
+          <a:bodyPr wrap="square" rtlCol="0">
+            <a:spAutoFit/>
+          </a:bodyPr>
+          <a:lstStyle/>
+          <a:p>
+            <a:pPr marL="285750" indent="-285750">
+              <a:lnSpc>
+                <a:spcPct val="150000"/>
+              </a:lnSpc>
+              <a:buFont typeface="Arial"/>
+              <a:buChar char="•"/>
+            </a:pPr>
+            <a:endParaRPr lang="en-US" sz="1600" dirty="0" smtClean="0">
+              <a:solidFill>
+                <a:srgbClr val="024761"/>
+              </a:solidFill>
+              <a:latin typeface="Avenir Book"/>
+              <a:cs typeface="Avenir Book"/>
+            </a:endParaRPr>
+          </a:p>
+          <a:p>
+            <a:pPr marL="285750" indent="-285750">
+              <a:lnSpc>
+                <a:spcPct val="150000"/>
+              </a:lnSpc>
+              <a:buFont typeface="Arial"/>
+              <a:buChar char="•"/>
+            </a:pPr>
+            <a:endParaRPr lang="en-US" sz="1600" dirty="0">
+              <a:solidFill>
+                <a:srgbClr val="024761"/>
+              </a:solidFill>
+              <a:latin typeface="Avenir Book"/>
+              <a:cs typeface="Avenir Book"/>
+            </a:endParaRPr>
+          </a:p>
+          <a:p>
+            <a:pPr marL="285750" indent="-285750">
+              <a:lnSpc>
+                <a:spcPct val="150000"/>
+              </a:lnSpc>
+              <a:buFont typeface="Arial"/>
+              <a:buChar char="•"/>
+            </a:pPr>
+            <a:endParaRPr lang="en-US" sz="1600" dirty="0" smtClean="0">
+              <a:solidFill>
+                <a:srgbClr val="024761"/>
+              </a:solidFill>
+              <a:latin typeface="Avenir Book"/>
+              <a:cs typeface="Avenir Book"/>
+            </a:endParaRPr>
           </a:p>
         </p:txBody>
       </p:sp>
@@ -7687,11 +8155,7 @@
           <a:p>
             <a:r>
               <a:rPr lang="en-US" dirty="0" smtClean="0"/>
-              <a:t>Architecture </a:t>
-            </a:r>
-            <a:r>
-              <a:rPr lang="en-US" dirty="0" smtClean="0"/>
-              <a:t>– customer data</a:t>
+              <a:t>Architecture – customer data</a:t>
             </a:r>
             <a:endParaRPr lang="en-US" dirty="0"/>
           </a:p>
@@ -10584,47 +11048,208 @@
       </p:sp>
       <p:sp>
         <p:nvSpPr>
-          <p:cNvPr id="4" name="Rectangle 3"/>
-          <p:cNvSpPr/>
+          <p:cNvPr id="5" name="TextBox 4"/>
+          <p:cNvSpPr txBox="1"/>
           <p:nvPr/>
         </p:nvSpPr>
         <p:spPr>
           <a:xfrm>
-            <a:off x="820121" y="2089918"/>
-            <a:ext cx="1399327" cy="822960"/>
+            <a:off x="768638" y="1329767"/>
+            <a:ext cx="7575261" cy="1918474"/>
           </a:xfrm>
           <a:prstGeom prst="rect">
             <a:avLst/>
           </a:prstGeom>
-          <a:noFill/>
+          <a:solidFill>
+            <a:srgbClr val="FFCC00"/>
+          </a:solidFill>
           <a:ln>
             <a:solidFill>
-              <a:schemeClr val="accent2"/>
+              <a:schemeClr val="tx2"/>
             </a:solidFill>
           </a:ln>
         </p:spPr>
-        <p:style>
-          <a:lnRef idx="1">
-            <a:schemeClr val="accent1"/>
-          </a:lnRef>
-          <a:fillRef idx="3">
-            <a:schemeClr val="accent1"/>
-          </a:fillRef>
-          <a:effectRef idx="2">
-            <a:schemeClr val="accent1"/>
-          </a:effectRef>
-          <a:fontRef idx="minor">
-            <a:schemeClr val="lt1"/>
-          </a:fontRef>
-        </p:style>
-        <p:txBody>
-          <a:bodyPr/>
-          <a:lstStyle/>
-          <a:p>
-            <a:endParaRPr lang="en-US"/>
-          </a:p>
-        </p:txBody>
-      </p:sp>
+        <p:txBody>
+          <a:bodyPr wrap="square" rtlCol="0">
+            <a:spAutoFit/>
+          </a:bodyPr>
+          <a:lstStyle/>
+          <a:p>
+            <a:pPr marL="285750" indent="-285750">
+              <a:lnSpc>
+                <a:spcPct val="150000"/>
+              </a:lnSpc>
+              <a:buFont typeface="Arial"/>
+              <a:buChar char="•"/>
+            </a:pPr>
+            <a:r>
+              <a:rPr lang="en-US" sz="1600" dirty="0" smtClean="0">
+                <a:solidFill>
+                  <a:srgbClr val="024761"/>
+                </a:solidFill>
+                <a:latin typeface="Avenir Book"/>
+                <a:cs typeface="Avenir Book"/>
+              </a:rPr>
+              <a:t>Any request is </a:t>
+            </a:r>
+            <a:r>
+              <a:rPr lang="en-US" sz="1600" b="1" dirty="0" smtClean="0">
+                <a:solidFill>
+                  <a:srgbClr val="024761"/>
+                </a:solidFill>
+                <a:latin typeface="Avenir Book"/>
+                <a:cs typeface="Avenir Book"/>
+              </a:rPr>
+              <a:t>executed immediately </a:t>
+            </a:r>
+            <a:r>
+              <a:rPr lang="en-US" sz="1600" dirty="0" smtClean="0">
+                <a:solidFill>
+                  <a:srgbClr val="024761"/>
+                </a:solidFill>
+                <a:latin typeface="Avenir Book"/>
+                <a:cs typeface="Avenir Book"/>
+              </a:rPr>
+              <a:t>by the </a:t>
+            </a:r>
+            <a:r>
+              <a:rPr lang="en-US" sz="1600" i="1" dirty="0" smtClean="0">
+                <a:solidFill>
+                  <a:srgbClr val="024761"/>
+                </a:solidFill>
+                <a:latin typeface="Avenir Book"/>
+                <a:cs typeface="Avenir Book"/>
+              </a:rPr>
+              <a:t>resource manager</a:t>
+            </a:r>
+          </a:p>
+          <a:p>
+            <a:pPr marL="285750" indent="-285750">
+              <a:lnSpc>
+                <a:spcPct val="150000"/>
+              </a:lnSpc>
+              <a:buFont typeface="Arial"/>
+              <a:buChar char="•"/>
+            </a:pPr>
+            <a:r>
+              <a:rPr lang="en-US" sz="1600" dirty="0" smtClean="0">
+                <a:solidFill>
+                  <a:srgbClr val="024761"/>
+                </a:solidFill>
+                <a:latin typeface="Avenir Book"/>
+                <a:cs typeface="Avenir Book"/>
+              </a:rPr>
+              <a:t>Any modifying operation in the </a:t>
+            </a:r>
+            <a:r>
+              <a:rPr lang="en-US" sz="1600" i="1" dirty="0" smtClean="0">
+                <a:solidFill>
+                  <a:srgbClr val="024761"/>
+                </a:solidFill>
+                <a:latin typeface="Avenir Book"/>
+                <a:cs typeface="Avenir Book"/>
+              </a:rPr>
+              <a:t>resource manager</a:t>
+            </a:r>
+            <a:r>
+              <a:rPr lang="en-US" sz="1600" dirty="0" smtClean="0">
+                <a:solidFill>
+                  <a:srgbClr val="024761"/>
+                </a:solidFill>
+                <a:latin typeface="Avenir Book"/>
+                <a:cs typeface="Avenir Book"/>
+              </a:rPr>
+              <a:t> will be saved in an </a:t>
+            </a:r>
+            <a:r>
+              <a:rPr lang="en-US" sz="1600" i="1" dirty="0" smtClean="0">
+                <a:solidFill>
+                  <a:srgbClr val="024761"/>
+                </a:solidFill>
+                <a:latin typeface="Avenir Book"/>
+                <a:cs typeface="Avenir Book"/>
+              </a:rPr>
+              <a:t>Operation object</a:t>
+            </a:r>
+            <a:r>
+              <a:rPr lang="en-US" sz="1600" dirty="0" smtClean="0">
+                <a:solidFill>
+                  <a:srgbClr val="024761"/>
+                </a:solidFill>
+                <a:latin typeface="Avenir Book"/>
+                <a:cs typeface="Avenir Book"/>
+              </a:rPr>
+              <a:t> and added to List&lt;Operations&gt;</a:t>
+            </a:r>
+          </a:p>
+          <a:p>
+            <a:pPr marL="285750" indent="-285750">
+              <a:lnSpc>
+                <a:spcPct val="150000"/>
+              </a:lnSpc>
+              <a:buFont typeface="Arial"/>
+              <a:buChar char="•"/>
+            </a:pPr>
+            <a:r>
+              <a:rPr lang="en-US" sz="1600" dirty="0" smtClean="0">
+                <a:solidFill>
+                  <a:srgbClr val="024761"/>
+                </a:solidFill>
+                <a:latin typeface="Avenir Book"/>
+                <a:cs typeface="Avenir Book"/>
+              </a:rPr>
+              <a:t>Any </a:t>
+            </a:r>
+            <a:r>
+              <a:rPr lang="en-US" sz="1600" i="1" dirty="0" smtClean="0">
+                <a:solidFill>
+                  <a:srgbClr val="024761"/>
+                </a:solidFill>
+                <a:latin typeface="Avenir Book"/>
+                <a:cs typeface="Avenir Book"/>
+              </a:rPr>
+              <a:t>abort the RM will iterate List&lt;Operations&gt; and undo from recent to oldest</a:t>
+            </a:r>
+            <a:endParaRPr lang="en-US" sz="1600" dirty="0" smtClean="0">
+              <a:solidFill>
+                <a:srgbClr val="024761"/>
+              </a:solidFill>
+              <a:latin typeface="Avenir Book"/>
+              <a:cs typeface="Avenir Book"/>
+            </a:endParaRPr>
+          </a:p>
+        </p:txBody>
+      </p:sp>
+      <p:pic>
+        <p:nvPicPr>
+          <p:cNvPr id="3" name="Picture 2" descr="Screen Shot 2015-11-30 at 7.55.10 PM.png"/>
+          <p:cNvPicPr>
+            <a:picLocks noChangeAspect="1"/>
+          </p:cNvPicPr>
+          <p:nvPr/>
+        </p:nvPicPr>
+        <p:blipFill>
+          <a:blip r:embed="rId2">
+            <a:extLst>
+              <a:ext uri="{28A0092B-C50C-407E-A947-70E740481C1C}">
+                <a14:useLocalDpi xmlns:a14="http://schemas.microsoft.com/office/drawing/2010/main" val="0"/>
+              </a:ext>
+            </a:extLst>
+          </a:blip>
+          <a:stretch>
+            <a:fillRect/>
+          </a:stretch>
+        </p:blipFill>
+        <p:spPr>
+          <a:xfrm>
+            <a:off x="768638" y="3248240"/>
+            <a:ext cx="7575261" cy="3609759"/>
+          </a:xfrm>
+          <a:prstGeom prst="rect">
+            <a:avLst/>
+          </a:prstGeom>
+        </p:spPr>
+      </p:pic>
     </p:spTree>
     <p:extLst>
       <p:ext uri="{BB962C8B-B14F-4D97-AF65-F5344CB8AC3E}">
@@ -10687,47 +11312,274 @@
       </p:sp>
       <p:sp>
         <p:nvSpPr>
-          <p:cNvPr id="4" name="Rectangle 3"/>
-          <p:cNvSpPr/>
+          <p:cNvPr id="5" name="TextBox 4"/>
+          <p:cNvSpPr txBox="1"/>
           <p:nvPr/>
         </p:nvSpPr>
         <p:spPr>
           <a:xfrm>
-            <a:off x="820121" y="2089918"/>
-            <a:ext cx="1399327" cy="822960"/>
+            <a:off x="768638" y="1329767"/>
+            <a:ext cx="7575261" cy="1918474"/>
           </a:xfrm>
           <a:prstGeom prst="rect">
             <a:avLst/>
           </a:prstGeom>
-          <a:noFill/>
+          <a:solidFill>
+            <a:srgbClr val="FFCC00"/>
+          </a:solidFill>
           <a:ln>
             <a:solidFill>
-              <a:schemeClr val="accent2"/>
+              <a:schemeClr val="tx2"/>
             </a:solidFill>
           </a:ln>
         </p:spPr>
-        <p:style>
-          <a:lnRef idx="1">
-            <a:schemeClr val="accent1"/>
-          </a:lnRef>
-          <a:fillRef idx="3">
-            <a:schemeClr val="accent1"/>
-          </a:fillRef>
-          <a:effectRef idx="2">
-            <a:schemeClr val="accent1"/>
-          </a:effectRef>
-          <a:fontRef idx="minor">
-            <a:schemeClr val="lt1"/>
-          </a:fontRef>
-        </p:style>
-        <p:txBody>
-          <a:bodyPr/>
-          <a:lstStyle/>
-          <a:p>
-            <a:endParaRPr lang="en-US"/>
-          </a:p>
-        </p:txBody>
-      </p:sp>
+        <p:txBody>
+          <a:bodyPr wrap="square" rtlCol="0">
+            <a:spAutoFit/>
+          </a:bodyPr>
+          <a:lstStyle/>
+          <a:p>
+            <a:pPr marL="285750" indent="-285750">
+              <a:lnSpc>
+                <a:spcPct val="150000"/>
+              </a:lnSpc>
+              <a:buFont typeface="Arial"/>
+              <a:buChar char="•"/>
+            </a:pPr>
+            <a:r>
+              <a:rPr lang="en-US" sz="1600" dirty="0" smtClean="0">
+                <a:solidFill>
+                  <a:srgbClr val="024761"/>
+                </a:solidFill>
+                <a:latin typeface="Avenir Book"/>
+                <a:cs typeface="Avenir Book"/>
+              </a:rPr>
+              <a:t>Any </a:t>
+            </a:r>
+            <a:r>
+              <a:rPr lang="en-US" sz="1600" i="1" dirty="0" smtClean="0">
+                <a:solidFill>
+                  <a:srgbClr val="024761"/>
+                </a:solidFill>
+                <a:latin typeface="Avenir Book"/>
+                <a:cs typeface="Avenir Book"/>
+              </a:rPr>
+              <a:t>request </a:t>
+            </a:r>
+            <a:r>
+              <a:rPr lang="en-US" sz="1600" dirty="0" smtClean="0">
+                <a:solidFill>
+                  <a:srgbClr val="024761"/>
+                </a:solidFill>
+                <a:latin typeface="Avenir Book"/>
+                <a:cs typeface="Avenir Book"/>
+              </a:rPr>
+              <a:t>is buffered until commit time : List&lt;</a:t>
+            </a:r>
+            <a:r>
+              <a:rPr lang="en-US" sz="1600" dirty="0" err="1" smtClean="0">
+                <a:solidFill>
+                  <a:srgbClr val="024761"/>
+                </a:solidFill>
+                <a:latin typeface="Avenir Book"/>
+                <a:cs typeface="Avenir Book"/>
+              </a:rPr>
+              <a:t>ActiveTransactions</a:t>
+            </a:r>
+            <a:r>
+              <a:rPr lang="en-US" sz="1600" dirty="0" smtClean="0">
+                <a:solidFill>
+                  <a:srgbClr val="024761"/>
+                </a:solidFill>
+                <a:latin typeface="Avenir Book"/>
+                <a:cs typeface="Avenir Book"/>
+              </a:rPr>
+              <a:t>&gt;</a:t>
+            </a:r>
+          </a:p>
+          <a:p>
+            <a:pPr marL="285750" indent="-285750">
+              <a:lnSpc>
+                <a:spcPct val="150000"/>
+              </a:lnSpc>
+              <a:buFont typeface="Arial"/>
+              <a:buChar char="•"/>
+            </a:pPr>
+            <a:r>
+              <a:rPr lang="en-US" sz="1600" dirty="0" smtClean="0">
+                <a:solidFill>
+                  <a:srgbClr val="024761"/>
+                </a:solidFill>
+                <a:latin typeface="Avenir Book"/>
+                <a:cs typeface="Avenir Book"/>
+              </a:rPr>
+              <a:t>On </a:t>
+            </a:r>
+            <a:r>
+              <a:rPr lang="en-US" sz="1600" i="1" dirty="0" smtClean="0">
+                <a:solidFill>
+                  <a:srgbClr val="024761"/>
+                </a:solidFill>
+                <a:latin typeface="Avenir Book"/>
+                <a:cs typeface="Avenir Book"/>
+              </a:rPr>
+              <a:t>commit</a:t>
+            </a:r>
+            <a:r>
+              <a:rPr lang="en-US" sz="1600" b="1" i="1" dirty="0" smtClean="0">
+                <a:solidFill>
+                  <a:srgbClr val="024761"/>
+                </a:solidFill>
+                <a:latin typeface="Avenir Book"/>
+                <a:cs typeface="Avenir Book"/>
+              </a:rPr>
+              <a:t> of some transaction X, RM goes over </a:t>
+            </a:r>
+            <a:r>
+              <a:rPr lang="en-US" sz="1600" i="1" dirty="0" smtClean="0">
+                <a:solidFill>
+                  <a:srgbClr val="024761"/>
+                </a:solidFill>
+                <a:latin typeface="Avenir Book"/>
+                <a:cs typeface="Avenir Book"/>
+              </a:rPr>
+              <a:t>Operations </a:t>
+            </a:r>
+            <a:r>
+              <a:rPr lang="en-US" sz="1600" dirty="0" smtClean="0">
+                <a:solidFill>
+                  <a:srgbClr val="024761"/>
+                </a:solidFill>
+                <a:latin typeface="Avenir Book"/>
+                <a:cs typeface="Avenir Book"/>
+              </a:rPr>
+              <a:t>within X, and performs all </a:t>
+            </a:r>
+            <a:r>
+              <a:rPr lang="en-US" sz="1600" i="1" dirty="0" smtClean="0">
+                <a:solidFill>
+                  <a:srgbClr val="024761"/>
+                </a:solidFill>
+                <a:latin typeface="Avenir Book"/>
+                <a:cs typeface="Avenir Book"/>
+              </a:rPr>
+              <a:t>write</a:t>
+            </a:r>
+            <a:r>
+              <a:rPr lang="en-US" sz="1600" dirty="0" smtClean="0">
+                <a:solidFill>
+                  <a:srgbClr val="024761"/>
+                </a:solidFill>
+                <a:latin typeface="Avenir Book"/>
+                <a:cs typeface="Avenir Book"/>
+              </a:rPr>
+              <a:t> operations from oldest – newest.</a:t>
+            </a:r>
+          </a:p>
+          <a:p>
+            <a:pPr marL="285750" indent="-285750">
+              <a:lnSpc>
+                <a:spcPct val="150000"/>
+              </a:lnSpc>
+              <a:buFont typeface="Arial"/>
+              <a:buChar char="•"/>
+            </a:pPr>
+            <a:r>
+              <a:rPr lang="en-US" sz="1600" dirty="0" smtClean="0">
+                <a:solidFill>
+                  <a:srgbClr val="024761"/>
+                </a:solidFill>
+                <a:latin typeface="Avenir Book"/>
+                <a:cs typeface="Avenir Book"/>
+              </a:rPr>
+              <a:t>Concurrency: </a:t>
+            </a:r>
+            <a:r>
+              <a:rPr lang="en-US" sz="1600" i="1" dirty="0" err="1" smtClean="0">
+                <a:solidFill>
+                  <a:srgbClr val="024761"/>
+                </a:solidFill>
+                <a:latin typeface="Avenir Book"/>
+                <a:cs typeface="Avenir Book"/>
+              </a:rPr>
+              <a:t>lockManager</a:t>
+            </a:r>
+            <a:r>
+              <a:rPr lang="en-US" sz="1600" dirty="0">
+                <a:solidFill>
+                  <a:srgbClr val="024761"/>
+                </a:solidFill>
+                <a:latin typeface="Avenir Book"/>
+                <a:cs typeface="Avenir Book"/>
+              </a:rPr>
+              <a:t> </a:t>
+            </a:r>
+            <a:r>
+              <a:rPr lang="en-US" sz="1600" dirty="0" smtClean="0">
+                <a:solidFill>
+                  <a:srgbClr val="024761"/>
+                </a:solidFill>
+                <a:latin typeface="Avenir Book"/>
+                <a:cs typeface="Avenir Book"/>
+              </a:rPr>
+              <a:t>will secure data for each item</a:t>
+            </a:r>
+            <a:endParaRPr lang="en-US" sz="1600" dirty="0" smtClean="0">
+              <a:solidFill>
+                <a:srgbClr val="024761"/>
+              </a:solidFill>
+              <a:latin typeface="Avenir Book"/>
+              <a:cs typeface="Avenir Book"/>
+            </a:endParaRPr>
+          </a:p>
+          <a:p>
+            <a:pPr marL="285750" indent="-285750">
+              <a:lnSpc>
+                <a:spcPct val="150000"/>
+              </a:lnSpc>
+              <a:buFont typeface="Arial"/>
+              <a:buChar char="•"/>
+            </a:pPr>
+            <a:endParaRPr lang="en-US" sz="1600" dirty="0" smtClean="0">
+              <a:solidFill>
+                <a:srgbClr val="024761"/>
+              </a:solidFill>
+              <a:latin typeface="Avenir Book"/>
+              <a:cs typeface="Avenir Book"/>
+            </a:endParaRPr>
+          </a:p>
+        </p:txBody>
+      </p:sp>
+      <p:pic>
+        <p:nvPicPr>
+          <p:cNvPr id="3" name="Picture 2" descr="Screen Shot 2015-11-30 at 8.00.18 PM.png"/>
+          <p:cNvPicPr>
+            <a:picLocks noChangeAspect="1"/>
+          </p:cNvPicPr>
+          <p:nvPr/>
+        </p:nvPicPr>
+        <p:blipFill>
+          <a:blip r:embed="rId2">
+            <a:extLst>
+              <a:ext uri="{28A0092B-C50C-407E-A947-70E740481C1C}">
+                <a14:useLocalDpi xmlns:a14="http://schemas.microsoft.com/office/drawing/2010/main" val="0"/>
+              </a:ext>
+            </a:extLst>
+          </a:blip>
+          <a:stretch>
+            <a:fillRect/>
+          </a:stretch>
+        </p:blipFill>
+        <p:spPr>
+          <a:xfrm>
+            <a:off x="768639" y="2928499"/>
+            <a:ext cx="7575262" cy="3929500"/>
+          </a:xfrm>
+          <a:prstGeom prst="rect">
+            <a:avLst/>
+          </a:prstGeom>
+        </p:spPr>
+      </p:pic>
     </p:spTree>
     <p:extLst>
       <p:ext uri="{BB962C8B-B14F-4D97-AF65-F5344CB8AC3E}">

--- a/512pp.pptx
+++ b/512pp.pptx
@@ -9662,6 +9662,144 @@
           </a:p>
         </p:txBody>
       </p:sp>
+      <p:sp>
+        <p:nvSpPr>
+          <p:cNvPr id="4" name="Rectangle 3"/>
+          <p:cNvSpPr/>
+          <p:nvPr/>
+        </p:nvSpPr>
+        <p:spPr>
+          <a:xfrm>
+            <a:off x="590309" y="1113304"/>
+            <a:ext cx="8079129" cy="1938992"/>
+          </a:xfrm>
+          <a:prstGeom prst="rect">
+            <a:avLst/>
+          </a:prstGeom>
+        </p:spPr>
+        <p:txBody>
+          <a:bodyPr wrap="square">
+            <a:spAutoFit/>
+          </a:bodyPr>
+          <a:lstStyle/>
+          <a:p>
+            <a:pPr marL="285750" indent="-285750">
+              <a:lnSpc>
+                <a:spcPct val="150000"/>
+              </a:lnSpc>
+              <a:buFont typeface="Arial"/>
+              <a:buChar char="•"/>
+            </a:pPr>
+            <a:r>
+              <a:rPr lang="en-US" sz="1600" dirty="0" smtClean="0">
+                <a:solidFill>
+                  <a:srgbClr val="024761"/>
+                </a:solidFill>
+                <a:latin typeface="Avenir Book"/>
+                <a:cs typeface="Avenir Book"/>
+              </a:rPr>
+              <a:t>Every RM has 2 versions of it’s files and a pointer file to determine current master.</a:t>
+            </a:r>
+          </a:p>
+          <a:p>
+            <a:pPr marL="285750" indent="-285750">
+              <a:lnSpc>
+                <a:spcPct val="150000"/>
+              </a:lnSpc>
+              <a:buFont typeface="Arial"/>
+              <a:buChar char="•"/>
+            </a:pPr>
+            <a:r>
+              <a:rPr lang="en-US" sz="1600" dirty="0" smtClean="0">
+                <a:solidFill>
+                  <a:srgbClr val="024761"/>
+                </a:solidFill>
+                <a:latin typeface="Avenir Book"/>
+                <a:cs typeface="Avenir Book"/>
+              </a:rPr>
+              <a:t>On save:</a:t>
+            </a:r>
+          </a:p>
+          <a:p>
+            <a:pPr marL="742950" lvl="1" indent="-285750">
+              <a:lnSpc>
+                <a:spcPct val="150000"/>
+              </a:lnSpc>
+              <a:buFont typeface="Arial"/>
+              <a:buChar char="•"/>
+            </a:pPr>
+            <a:r>
+              <a:rPr lang="en-US" sz="1600" dirty="0" smtClean="0">
+                <a:solidFill>
+                  <a:srgbClr val="024761"/>
+                </a:solidFill>
+                <a:latin typeface="Avenir Book"/>
+                <a:cs typeface="Avenir Book"/>
+              </a:rPr>
+              <a:t>Try to save to the  file not pointed to.</a:t>
+            </a:r>
+          </a:p>
+          <a:p>
+            <a:pPr marL="742950" lvl="1" indent="-285750">
+              <a:lnSpc>
+                <a:spcPct val="150000"/>
+              </a:lnSpc>
+              <a:buFont typeface="Arial"/>
+              <a:buChar char="•"/>
+            </a:pPr>
+            <a:r>
+              <a:rPr lang="en-US" sz="1600" dirty="0" smtClean="0">
+                <a:solidFill>
+                  <a:srgbClr val="024761"/>
+                </a:solidFill>
+                <a:latin typeface="Avenir Book"/>
+                <a:cs typeface="Avenir Book"/>
+              </a:rPr>
+              <a:t>Once the file was written, we update the pointer file.</a:t>
+            </a:r>
+          </a:p>
+          <a:p>
+            <a:pPr marL="285750" indent="-285750">
+              <a:lnSpc>
+                <a:spcPct val="150000"/>
+              </a:lnSpc>
+              <a:buFont typeface="Arial"/>
+              <a:buChar char="•"/>
+            </a:pPr>
+            <a:endParaRPr lang="en-US" sz="1600" dirty="0" smtClean="0">
+              <a:solidFill>
+                <a:srgbClr val="024761"/>
+              </a:solidFill>
+              <a:latin typeface="Avenir Book"/>
+              <a:cs typeface="Avenir Book"/>
+            </a:endParaRPr>
+          </a:p>
+        </p:txBody>
+      </p:sp>
+      <p:pic>
+        <p:nvPicPr>
+          <p:cNvPr id="7" name="Picture 6"/>
+          <p:cNvPicPr>
+            <a:picLocks noChangeAspect="1"/>
+          </p:cNvPicPr>
+          <p:nvPr/>
+        </p:nvPicPr>
+        <p:blipFill>
+          <a:blip r:embed="rId2"/>
+          <a:stretch>
+            <a:fillRect/>
+          </a:stretch>
+        </p:blipFill>
+        <p:spPr>
+          <a:xfrm>
+            <a:off x="1365973" y="3052296"/>
+            <a:ext cx="6527800" cy="3644900"/>
+          </a:xfrm>
+          <a:prstGeom prst="rect">
+            <a:avLst/>
+          </a:prstGeom>
+        </p:spPr>
+      </p:pic>
     </p:spTree>
     <p:extLst>
       <p:ext uri="{BB962C8B-B14F-4D97-AF65-F5344CB8AC3E}">

--- a/512pp.pptx
+++ b/512pp.pptx
@@ -5,7 +5,7 @@
     <p:sldMasterId id="2147483648" r:id="rId1"/>
   </p:sldMasterIdLst>
   <p:notesMasterIdLst>
-    <p:notesMasterId r:id="rId29"/>
+    <p:notesMasterId r:id="rId27"/>
   </p:notesMasterIdLst>
   <p:sldIdLst>
     <p:sldId id="256" r:id="rId2"/>
@@ -19,22 +19,20 @@
     <p:sldId id="274" r:id="rId10"/>
     <p:sldId id="267" r:id="rId11"/>
     <p:sldId id="268" r:id="rId12"/>
-    <p:sldId id="273" r:id="rId13"/>
-    <p:sldId id="279" r:id="rId14"/>
-    <p:sldId id="278" r:id="rId15"/>
+    <p:sldId id="265" r:id="rId13"/>
+    <p:sldId id="266" r:id="rId14"/>
+    <p:sldId id="263" r:id="rId15"/>
     <p:sldId id="277" r:id="rId16"/>
-    <p:sldId id="265" r:id="rId17"/>
-    <p:sldId id="266" r:id="rId18"/>
-    <p:sldId id="263" r:id="rId19"/>
-    <p:sldId id="269" r:id="rId20"/>
-    <p:sldId id="270" r:id="rId21"/>
-    <p:sldId id="271" r:id="rId22"/>
-    <p:sldId id="275" r:id="rId23"/>
-    <p:sldId id="272" r:id="rId24"/>
-    <p:sldId id="276" r:id="rId25"/>
-    <p:sldId id="260" r:id="rId26"/>
-    <p:sldId id="262" r:id="rId27"/>
-    <p:sldId id="261" r:id="rId28"/>
+    <p:sldId id="273" r:id="rId17"/>
+    <p:sldId id="279" r:id="rId18"/>
+    <p:sldId id="269" r:id="rId19"/>
+    <p:sldId id="270" r:id="rId20"/>
+    <p:sldId id="271" r:id="rId21"/>
+    <p:sldId id="275" r:id="rId22"/>
+    <p:sldId id="272" r:id="rId23"/>
+    <p:sldId id="276" r:id="rId24"/>
+    <p:sldId id="262" r:id="rId25"/>
+    <p:sldId id="261" r:id="rId26"/>
   </p:sldIdLst>
   <p:sldSz cx="9144000" cy="6858000" type="screen4x3"/>
   <p:notesSz cx="6858000" cy="9144000"/>
@@ -234,7 +232,7 @@
           <a:p>
             <a:fld id="{B485FE48-84EE-274E-BD55-64E583723D1D}" type="datetimeFigureOut">
               <a:rPr lang="en-US" smtClean="0"/>
-              <a:t>12/3/15</a:t>
+              <a:t>12/4/15</a:t>
             </a:fld>
             <a:endParaRPr lang="en-US"/>
           </a:p>
@@ -579,7 +577,7 @@
           <a:p>
             <a:fld id="{2C67D884-20DE-8044-8E54-695EC74883BF}" type="slidenum">
               <a:rPr lang="en-US" smtClean="0"/>
-              <a:t>23</a:t>
+              <a:t>22</a:t>
             </a:fld>
             <a:endParaRPr lang="en-US"/>
           </a:p>
@@ -675,7 +673,7 @@
           <a:p>
             <a:fld id="{2C67D884-20DE-8044-8E54-695EC74883BF}" type="slidenum">
               <a:rPr lang="en-US" smtClean="0"/>
-              <a:t>24</a:t>
+              <a:t>23</a:t>
             </a:fld>
             <a:endParaRPr lang="en-US"/>
           </a:p>
@@ -1163,7 +1161,7 @@
             <a:fld id="{7D0065BE-0657-4A47-90AD-C21C55E16B19}" type="datetime4">
               <a:rPr lang="en-US" smtClean="0"/>
               <a:pPr/>
-              <a:t>December 3, 2015</a:t>
+              <a:t>December 4, 2015</a:t>
             </a:fld>
             <a:endParaRPr lang="en-US"/>
           </a:p>
@@ -1330,7 +1328,7 @@
             <a:fld id="{A16C3AA4-67BE-44F7-809A-3582401494AF}" type="datetime4">
               <a:rPr lang="en-US" smtClean="0"/>
               <a:pPr/>
-              <a:t>December 3, 2015</a:t>
+              <a:t>December 4, 2015</a:t>
             </a:fld>
             <a:endParaRPr lang="en-US"/>
           </a:p>
@@ -1507,7 +1505,7 @@
             <a:fld id="{25172EEB-1769-4776-AD69-E7C1260563EB}" type="datetime4">
               <a:rPr lang="en-US" smtClean="0"/>
               <a:pPr/>
-              <a:t>December 3, 2015</a:t>
+              <a:t>December 4, 2015</a:t>
             </a:fld>
             <a:endParaRPr lang="en-US"/>
           </a:p>
@@ -1674,7 +1672,7 @@
             <a:fld id="{D47BB8AF-C16A-4836-A92D-61834B5F0BA5}" type="datetime4">
               <a:rPr lang="en-US" smtClean="0"/>
               <a:pPr/>
-              <a:t>December 3, 2015</a:t>
+              <a:t>December 4, 2015</a:t>
             </a:fld>
             <a:endParaRPr lang="en-US"/>
           </a:p>
@@ -2229,7 +2227,7 @@
             <a:fld id="{647D2193-4505-4A75-99BB-880C6989A757}" type="datetime4">
               <a:rPr lang="en-US" smtClean="0"/>
               <a:pPr/>
-              <a:t>December 3, 2015</a:t>
+              <a:t>December 4, 2015</a:t>
             </a:fld>
             <a:endParaRPr lang="en-US"/>
           </a:p>
@@ -2491,7 +2489,7 @@
             <a:fld id="{113A18F4-33C3-445B-924C-31108C51719C}" type="datetime4">
               <a:rPr lang="en-US" smtClean="0"/>
               <a:pPr/>
-              <a:t>December 3, 2015</a:t>
+              <a:t>December 4, 2015</a:t>
             </a:fld>
             <a:endParaRPr lang="en-US"/>
           </a:p>
@@ -2981,7 +2979,7 @@
             <a:fld id="{3AF7543A-E259-478F-9E0D-57BA40E442B7}" type="datetime4">
               <a:rPr lang="en-US" smtClean="0"/>
               <a:pPr/>
-              <a:t>December 3, 2015</a:t>
+              <a:t>December 4, 2015</a:t>
             </a:fld>
             <a:endParaRPr lang="en-US"/>
           </a:p>
@@ -3096,7 +3094,7 @@
             <a:fld id="{1EFB012D-77A1-44B0-BB26-329BA1EE55C9}" type="datetime4">
               <a:rPr lang="en-US" smtClean="0"/>
               <a:pPr/>
-              <a:t>December 3, 2015</a:t>
+              <a:t>December 4, 2015</a:t>
             </a:fld>
             <a:endParaRPr lang="en-US"/>
           </a:p>
@@ -3188,7 +3186,7 @@
             <a:fld id="{94B7499E-3031-413E-B01E-B94970708CAA}" type="datetime4">
               <a:rPr lang="en-US" smtClean="0"/>
               <a:pPr/>
-              <a:t>December 3, 2015</a:t>
+              <a:t>December 4, 2015</a:t>
             </a:fld>
             <a:endParaRPr lang="en-US"/>
           </a:p>
@@ -3620,7 +3618,7 @@
             <a:fld id="{DC7EAB0C-2220-4D0E-A0DD-DB7FA0F742F4}" type="datetime4">
               <a:rPr lang="en-US" smtClean="0"/>
               <a:pPr/>
-              <a:t>December 3, 2015</a:t>
+              <a:t>December 4, 2015</a:t>
             </a:fld>
             <a:endParaRPr lang="en-US"/>
           </a:p>
@@ -4155,7 +4153,7 @@
             <a:fld id="{E3416D63-31BF-4B94-B6C5-E20B2C63F515}" type="datetime4">
               <a:rPr lang="en-US" smtClean="0"/>
               <a:pPr/>
-              <a:t>December 3, 2015</a:t>
+              <a:t>December 4, 2015</a:t>
             </a:fld>
             <a:endParaRPr lang="en-US"/>
           </a:p>
@@ -4997,7 +4995,7 @@
             <a:fld id="{62B1B13E-D5AF-485E-81A1-82A140076526}" type="datetime4">
               <a:rPr lang="en-US" smtClean="0"/>
               <a:pPr/>
-              <a:t>December 3, 2015</a:t>
+              <a:t>December 4, 2015</a:t>
             </a:fld>
             <a:endParaRPr lang="en-US" dirty="0"/>
           </a:p>
@@ -7411,15 +7409,189 @@
           <a:p>
             <a:r>
               <a:rPr lang="en-US" dirty="0" smtClean="0"/>
-              <a:t>Two-phase commit – Vote requests</a:t>
+              <a:t>Update-in-place</a:t>
             </a:r>
             <a:endParaRPr lang="en-US" dirty="0"/>
+          </a:p>
+        </p:txBody>
+      </p:sp>
+      <p:sp>
+        <p:nvSpPr>
+          <p:cNvPr id="5" name="TextBox 4"/>
+          <p:cNvSpPr txBox="1"/>
+          <p:nvPr/>
+        </p:nvSpPr>
+        <p:spPr>
+          <a:xfrm>
+            <a:off x="768638" y="1329767"/>
+            <a:ext cx="7575261" cy="1918474"/>
+          </a:xfrm>
+          <a:prstGeom prst="rect">
+            <a:avLst/>
+          </a:prstGeom>
+          <a:solidFill>
+            <a:srgbClr val="FFCC00"/>
+          </a:solidFill>
+          <a:ln>
+            <a:solidFill>
+              <a:schemeClr val="tx2"/>
+            </a:solidFill>
+          </a:ln>
+        </p:spPr>
+        <p:txBody>
+          <a:bodyPr wrap="square" rtlCol="0">
+            <a:spAutoFit/>
+          </a:bodyPr>
+          <a:lstStyle/>
+          <a:p>
+            <a:pPr marL="285750" indent="-285750">
+              <a:lnSpc>
+                <a:spcPct val="150000"/>
+              </a:lnSpc>
+              <a:buFont typeface="Arial"/>
+              <a:buChar char="•"/>
+            </a:pPr>
+            <a:r>
+              <a:rPr lang="en-US" sz="1600" dirty="0" smtClean="0">
+                <a:solidFill>
+                  <a:srgbClr val="024761"/>
+                </a:solidFill>
+                <a:latin typeface="Avenir Book"/>
+                <a:cs typeface="Avenir Book"/>
+              </a:rPr>
+              <a:t>Any request is </a:t>
+            </a:r>
+            <a:r>
+              <a:rPr lang="en-US" sz="1600" b="1" dirty="0" smtClean="0">
+                <a:solidFill>
+                  <a:srgbClr val="024761"/>
+                </a:solidFill>
+                <a:latin typeface="Avenir Book"/>
+                <a:cs typeface="Avenir Book"/>
+              </a:rPr>
+              <a:t>executed immediately </a:t>
+            </a:r>
+            <a:r>
+              <a:rPr lang="en-US" sz="1600" dirty="0" smtClean="0">
+                <a:solidFill>
+                  <a:srgbClr val="024761"/>
+                </a:solidFill>
+                <a:latin typeface="Avenir Book"/>
+                <a:cs typeface="Avenir Book"/>
+              </a:rPr>
+              <a:t>by the </a:t>
+            </a:r>
+            <a:r>
+              <a:rPr lang="en-US" sz="1600" i="1" dirty="0" smtClean="0">
+                <a:solidFill>
+                  <a:srgbClr val="024761"/>
+                </a:solidFill>
+                <a:latin typeface="Avenir Book"/>
+                <a:cs typeface="Avenir Book"/>
+              </a:rPr>
+              <a:t>resource manager</a:t>
+            </a:r>
+          </a:p>
+          <a:p>
+            <a:pPr marL="285750" indent="-285750">
+              <a:lnSpc>
+                <a:spcPct val="150000"/>
+              </a:lnSpc>
+              <a:buFont typeface="Arial"/>
+              <a:buChar char="•"/>
+            </a:pPr>
+            <a:r>
+              <a:rPr lang="en-US" sz="1600" dirty="0" smtClean="0">
+                <a:solidFill>
+                  <a:srgbClr val="024761"/>
+                </a:solidFill>
+                <a:latin typeface="Avenir Book"/>
+                <a:cs typeface="Avenir Book"/>
+              </a:rPr>
+              <a:t>Any modifying operation in the </a:t>
+            </a:r>
+            <a:r>
+              <a:rPr lang="en-US" sz="1600" i="1" dirty="0" smtClean="0">
+                <a:solidFill>
+                  <a:srgbClr val="024761"/>
+                </a:solidFill>
+                <a:latin typeface="Avenir Book"/>
+                <a:cs typeface="Avenir Book"/>
+              </a:rPr>
+              <a:t>resource manager</a:t>
+            </a:r>
+            <a:r>
+              <a:rPr lang="en-US" sz="1600" dirty="0" smtClean="0">
+                <a:solidFill>
+                  <a:srgbClr val="024761"/>
+                </a:solidFill>
+                <a:latin typeface="Avenir Book"/>
+                <a:cs typeface="Avenir Book"/>
+              </a:rPr>
+              <a:t> will be saved in an </a:t>
+            </a:r>
+            <a:r>
+              <a:rPr lang="en-US" sz="1600" i="1" dirty="0" smtClean="0">
+                <a:solidFill>
+                  <a:srgbClr val="024761"/>
+                </a:solidFill>
+                <a:latin typeface="Avenir Book"/>
+                <a:cs typeface="Avenir Book"/>
+              </a:rPr>
+              <a:t>Operation object</a:t>
+            </a:r>
+            <a:r>
+              <a:rPr lang="en-US" sz="1600" dirty="0" smtClean="0">
+                <a:solidFill>
+                  <a:srgbClr val="024761"/>
+                </a:solidFill>
+                <a:latin typeface="Avenir Book"/>
+                <a:cs typeface="Avenir Book"/>
+              </a:rPr>
+              <a:t> and added to List&lt;Operations&gt;</a:t>
+            </a:r>
+          </a:p>
+          <a:p>
+            <a:pPr marL="285750" indent="-285750">
+              <a:lnSpc>
+                <a:spcPct val="150000"/>
+              </a:lnSpc>
+              <a:buFont typeface="Arial"/>
+              <a:buChar char="•"/>
+            </a:pPr>
+            <a:r>
+              <a:rPr lang="en-US" sz="1600" dirty="0" smtClean="0">
+                <a:solidFill>
+                  <a:srgbClr val="024761"/>
+                </a:solidFill>
+                <a:latin typeface="Avenir Book"/>
+                <a:cs typeface="Avenir Book"/>
+              </a:rPr>
+              <a:t>Any </a:t>
+            </a:r>
+            <a:r>
+              <a:rPr lang="en-US" sz="1600" i="1" dirty="0" smtClean="0">
+                <a:solidFill>
+                  <a:srgbClr val="024761"/>
+                </a:solidFill>
+                <a:latin typeface="Avenir Book"/>
+                <a:cs typeface="Avenir Book"/>
+              </a:rPr>
+              <a:t>abort the RM will iterate List&lt;Operations&gt; and undo from recent to oldest</a:t>
+            </a:r>
+            <a:endParaRPr lang="en-US" sz="1600" dirty="0" smtClean="0">
+              <a:solidFill>
+                <a:srgbClr val="024761"/>
+              </a:solidFill>
+              <a:latin typeface="Avenir Book"/>
+              <a:cs typeface="Avenir Book"/>
+            </a:endParaRPr>
           </a:p>
         </p:txBody>
       </p:sp>
       <p:pic>
         <p:nvPicPr>
-          <p:cNvPr id="7" name="Picture 6"/>
+          <p:cNvPr id="3" name="Picture 2" descr="Screen Shot 2015-11-30 at 7.55.10 PM.png"/>
           <p:cNvPicPr>
             <a:picLocks noChangeAspect="1"/>
           </p:cNvPicPr>
@@ -7439,8 +7611,8 @@
         </p:blipFill>
         <p:spPr>
           <a:xfrm>
-            <a:off x="254679" y="1481560"/>
-            <a:ext cx="8657501" cy="4617334"/>
+            <a:off x="768638" y="3248240"/>
+            <a:ext cx="7575261" cy="3609759"/>
           </a:xfrm>
           <a:prstGeom prst="rect">
             <a:avLst/>
@@ -7450,7 +7622,7 @@
     </p:spTree>
     <p:extLst>
       <p:ext uri="{BB962C8B-B14F-4D97-AF65-F5344CB8AC3E}">
-        <p14:creationId xmlns:p14="http://schemas.microsoft.com/office/powerpoint/2010/main" val="566458225"/>
+        <p14:creationId xmlns:p14="http://schemas.microsoft.com/office/powerpoint/2010/main" val="1868401959"/>
       </p:ext>
     </p:extLst>
   </p:cSld>
@@ -7494,28 +7666,255 @@
             <p:ph type="title"/>
           </p:nvPr>
         </p:nvSpPr>
+        <p:spPr/>
+        <p:txBody>
+          <a:bodyPr/>
+          <a:lstStyle/>
+          <a:p>
+            <a:r>
+              <a:rPr lang="en-US" dirty="0" smtClean="0"/>
+              <a:t>Deferred-update</a:t>
+            </a:r>
+            <a:endParaRPr lang="en-US" dirty="0"/>
+          </a:p>
+        </p:txBody>
+      </p:sp>
+      <p:sp>
+        <p:nvSpPr>
+          <p:cNvPr id="5" name="TextBox 4"/>
+          <p:cNvSpPr txBox="1"/>
+          <p:nvPr/>
+        </p:nvSpPr>
         <p:spPr>
           <a:xfrm>
-            <a:off x="370391" y="365760"/>
-            <a:ext cx="8275898" cy="548640"/>
-          </a:xfrm>
-        </p:spPr>
-        <p:txBody>
-          <a:bodyPr/>
-          <a:lstStyle/>
-          <a:p>
-            <a:pPr algn="ctr"/>
-            <a:r>
-              <a:rPr lang="en-US" dirty="0" smtClean="0"/>
-              <a:t>Two-phase commit – Send decisions</a:t>
-            </a:r>
-            <a:endParaRPr lang="en-US" dirty="0"/>
+            <a:off x="768638" y="1329767"/>
+            <a:ext cx="7575261" cy="1918474"/>
+          </a:xfrm>
+          <a:prstGeom prst="rect">
+            <a:avLst/>
+          </a:prstGeom>
+          <a:solidFill>
+            <a:srgbClr val="FFCC00"/>
+          </a:solidFill>
+          <a:ln>
+            <a:solidFill>
+              <a:schemeClr val="tx2"/>
+            </a:solidFill>
+          </a:ln>
+        </p:spPr>
+        <p:txBody>
+          <a:bodyPr wrap="square" rtlCol="0">
+            <a:spAutoFit/>
+          </a:bodyPr>
+          <a:lstStyle/>
+          <a:p>
+            <a:pPr marL="285750" indent="-285750">
+              <a:lnSpc>
+                <a:spcPct val="150000"/>
+              </a:lnSpc>
+              <a:buFont typeface="Arial"/>
+              <a:buChar char="•"/>
+            </a:pPr>
+            <a:r>
+              <a:rPr lang="en-US" sz="1600" dirty="0" smtClean="0">
+                <a:solidFill>
+                  <a:srgbClr val="024761"/>
+                </a:solidFill>
+                <a:latin typeface="Avenir Book"/>
+                <a:cs typeface="Avenir Book"/>
+              </a:rPr>
+              <a:t>Any </a:t>
+            </a:r>
+            <a:r>
+              <a:rPr lang="en-US" sz="1600" i="1" dirty="0" smtClean="0">
+                <a:solidFill>
+                  <a:srgbClr val="024761"/>
+                </a:solidFill>
+                <a:latin typeface="Avenir Book"/>
+                <a:cs typeface="Avenir Book"/>
+              </a:rPr>
+              <a:t>request </a:t>
+            </a:r>
+            <a:r>
+              <a:rPr lang="en-US" sz="1600" dirty="0" smtClean="0">
+                <a:solidFill>
+                  <a:srgbClr val="024761"/>
+                </a:solidFill>
+                <a:latin typeface="Avenir Book"/>
+                <a:cs typeface="Avenir Book"/>
+              </a:rPr>
+              <a:t>is buffered until commit time : List&lt;</a:t>
+            </a:r>
+            <a:r>
+              <a:rPr lang="en-US" sz="1600" dirty="0" err="1" smtClean="0">
+                <a:solidFill>
+                  <a:srgbClr val="024761"/>
+                </a:solidFill>
+                <a:latin typeface="Avenir Book"/>
+                <a:cs typeface="Avenir Book"/>
+              </a:rPr>
+              <a:t>ActiveTransactions</a:t>
+            </a:r>
+            <a:r>
+              <a:rPr lang="en-US" sz="1600" dirty="0" smtClean="0">
+                <a:solidFill>
+                  <a:srgbClr val="024761"/>
+                </a:solidFill>
+                <a:latin typeface="Avenir Book"/>
+                <a:cs typeface="Avenir Book"/>
+              </a:rPr>
+              <a:t>&gt;</a:t>
+            </a:r>
+          </a:p>
+          <a:p>
+            <a:pPr marL="285750" indent="-285750">
+              <a:lnSpc>
+                <a:spcPct val="150000"/>
+              </a:lnSpc>
+              <a:buFont typeface="Arial"/>
+              <a:buChar char="•"/>
+            </a:pPr>
+            <a:r>
+              <a:rPr lang="en-US" sz="1600" dirty="0" smtClean="0">
+                <a:solidFill>
+                  <a:srgbClr val="024761"/>
+                </a:solidFill>
+                <a:latin typeface="Avenir Book"/>
+                <a:cs typeface="Avenir Book"/>
+              </a:rPr>
+              <a:t>On </a:t>
+            </a:r>
+            <a:r>
+              <a:rPr lang="en-US" sz="1600" i="1" dirty="0" smtClean="0">
+                <a:solidFill>
+                  <a:srgbClr val="024761"/>
+                </a:solidFill>
+                <a:latin typeface="Avenir Book"/>
+                <a:cs typeface="Avenir Book"/>
+              </a:rPr>
+              <a:t>commit</a:t>
+            </a:r>
+            <a:r>
+              <a:rPr lang="en-US" sz="1600" b="1" i="1" dirty="0" smtClean="0">
+                <a:solidFill>
+                  <a:srgbClr val="024761"/>
+                </a:solidFill>
+                <a:latin typeface="Avenir Book"/>
+                <a:cs typeface="Avenir Book"/>
+              </a:rPr>
+              <a:t> of some transaction X, RM goes over </a:t>
+            </a:r>
+            <a:r>
+              <a:rPr lang="en-US" sz="1600" i="1" dirty="0" smtClean="0">
+                <a:solidFill>
+                  <a:srgbClr val="024761"/>
+                </a:solidFill>
+                <a:latin typeface="Avenir Book"/>
+                <a:cs typeface="Avenir Book"/>
+              </a:rPr>
+              <a:t>Operations </a:t>
+            </a:r>
+            <a:r>
+              <a:rPr lang="en-US" sz="1600" dirty="0" smtClean="0">
+                <a:solidFill>
+                  <a:srgbClr val="024761"/>
+                </a:solidFill>
+                <a:latin typeface="Avenir Book"/>
+                <a:cs typeface="Avenir Book"/>
+              </a:rPr>
+              <a:t>within X, and performs all </a:t>
+            </a:r>
+            <a:r>
+              <a:rPr lang="en-US" sz="1600" i="1" dirty="0" smtClean="0">
+                <a:solidFill>
+                  <a:srgbClr val="024761"/>
+                </a:solidFill>
+                <a:latin typeface="Avenir Book"/>
+                <a:cs typeface="Avenir Book"/>
+              </a:rPr>
+              <a:t>write</a:t>
+            </a:r>
+            <a:r>
+              <a:rPr lang="en-US" sz="1600" dirty="0" smtClean="0">
+                <a:solidFill>
+                  <a:srgbClr val="024761"/>
+                </a:solidFill>
+                <a:latin typeface="Avenir Book"/>
+                <a:cs typeface="Avenir Book"/>
+              </a:rPr>
+              <a:t> operations from oldest – newest.</a:t>
+            </a:r>
+          </a:p>
+          <a:p>
+            <a:pPr marL="285750" indent="-285750">
+              <a:lnSpc>
+                <a:spcPct val="150000"/>
+              </a:lnSpc>
+              <a:buFont typeface="Arial"/>
+              <a:buChar char="•"/>
+            </a:pPr>
+            <a:r>
+              <a:rPr lang="en-US" sz="1600" dirty="0" smtClean="0">
+                <a:solidFill>
+                  <a:srgbClr val="024761"/>
+                </a:solidFill>
+                <a:latin typeface="Avenir Book"/>
+                <a:cs typeface="Avenir Book"/>
+              </a:rPr>
+              <a:t>Concurrency: </a:t>
+            </a:r>
+            <a:r>
+              <a:rPr lang="en-US" sz="1600" i="1" dirty="0" err="1" smtClean="0">
+                <a:solidFill>
+                  <a:srgbClr val="024761"/>
+                </a:solidFill>
+                <a:latin typeface="Avenir Book"/>
+                <a:cs typeface="Avenir Book"/>
+              </a:rPr>
+              <a:t>lockManager</a:t>
+            </a:r>
+            <a:r>
+              <a:rPr lang="en-US" sz="1600" dirty="0">
+                <a:solidFill>
+                  <a:srgbClr val="024761"/>
+                </a:solidFill>
+                <a:latin typeface="Avenir Book"/>
+                <a:cs typeface="Avenir Book"/>
+              </a:rPr>
+              <a:t> </a:t>
+            </a:r>
+            <a:r>
+              <a:rPr lang="en-US" sz="1600" dirty="0" smtClean="0">
+                <a:solidFill>
+                  <a:srgbClr val="024761"/>
+                </a:solidFill>
+                <a:latin typeface="Avenir Book"/>
+                <a:cs typeface="Avenir Book"/>
+              </a:rPr>
+              <a:t>will secure data for each item</a:t>
+            </a:r>
+          </a:p>
+          <a:p>
+            <a:pPr marL="285750" indent="-285750">
+              <a:lnSpc>
+                <a:spcPct val="150000"/>
+              </a:lnSpc>
+              <a:buFont typeface="Arial"/>
+              <a:buChar char="•"/>
+            </a:pPr>
+            <a:endParaRPr lang="en-US" sz="1600" dirty="0" smtClean="0">
+              <a:solidFill>
+                <a:srgbClr val="024761"/>
+              </a:solidFill>
+              <a:latin typeface="Avenir Book"/>
+              <a:cs typeface="Avenir Book"/>
+            </a:endParaRPr>
           </a:p>
         </p:txBody>
       </p:sp>
       <p:pic>
         <p:nvPicPr>
-          <p:cNvPr id="5" name="Picture 4"/>
+          <p:cNvPr id="3" name="Picture 2" descr="Screen Shot 2015-11-30 at 8.00.18 PM.png"/>
           <p:cNvPicPr>
             <a:picLocks noChangeAspect="1"/>
           </p:cNvPicPr>
@@ -7535,8 +7934,8 @@
         </p:blipFill>
         <p:spPr>
           <a:xfrm>
-            <a:off x="455481" y="1134319"/>
-            <a:ext cx="8105718" cy="5303741"/>
+            <a:off x="768639" y="2928499"/>
+            <a:ext cx="7575262" cy="3929500"/>
           </a:xfrm>
           <a:prstGeom prst="rect">
             <a:avLst/>
@@ -7546,20 +7945,13 @@
     </p:spTree>
     <p:extLst>
       <p:ext uri="{BB962C8B-B14F-4D97-AF65-F5344CB8AC3E}">
-        <p14:creationId xmlns:p14="http://schemas.microsoft.com/office/powerpoint/2010/main" val="1455801765"/>
+        <p14:creationId xmlns:p14="http://schemas.microsoft.com/office/powerpoint/2010/main" val="1868401959"/>
       </p:ext>
     </p:extLst>
   </p:cSld>
   <p:clrMapOvr>
     <a:masterClrMapping/>
   </p:clrMapOvr>
-  <p:timing>
-    <p:tnLst>
-      <p:par>
-        <p:cTn id="1" dur="indefinite" restart="never" nodeType="tmRoot"/>
-      </p:par>
-    </p:tnLst>
-  </p:timing>
 </p:sld>
 </file>
 
@@ -7597,7 +7989,7 @@
           <a:p>
             <a:r>
               <a:rPr lang="en-US" dirty="0" smtClean="0"/>
-              <a:t>Commit/start/abort</a:t>
+              <a:t>Time to live (TTL)</a:t>
             </a:r>
             <a:endParaRPr lang="en-US" dirty="0"/>
           </a:p>
@@ -7605,14 +7997,14 @@
       </p:sp>
       <p:sp>
         <p:nvSpPr>
-          <p:cNvPr id="5" name="TextBox 4"/>
+          <p:cNvPr id="4" name="TextBox 3"/>
           <p:cNvSpPr txBox="1"/>
           <p:nvPr/>
         </p:nvSpPr>
         <p:spPr>
           <a:xfrm>
-            <a:off x="768639" y="1329767"/>
-            <a:ext cx="7304646" cy="2308324"/>
+            <a:off x="768637" y="1329767"/>
+            <a:ext cx="7758203" cy="1938992"/>
           </a:xfrm>
           <a:prstGeom prst="rect">
             <a:avLst/>
@@ -7633,30 +8025,53 @@
           <a:lstStyle/>
           <a:p>
             <a:pPr marL="285750" indent="-285750">
+              <a:lnSpc>
+                <a:spcPct val="150000"/>
+              </a:lnSpc>
               <a:buFont typeface="Arial"/>
               <a:buChar char="•"/>
             </a:pPr>
             <a:r>
-              <a:rPr lang="en-US" sz="1600" b="1" dirty="0" smtClean="0">
+              <a:rPr lang="en-US" sz="1600" dirty="0" smtClean="0">
                 <a:solidFill>
                   <a:srgbClr val="024761"/>
                 </a:solidFill>
                 <a:latin typeface="Avenir Book"/>
                 <a:cs typeface="Avenir Book"/>
               </a:rPr>
-              <a:t>Client -&gt; Middleware -&gt; Transaction Manager -&gt; </a:t>
-            </a:r>
-            <a:r>
-              <a:rPr lang="en-US" sz="1600" b="1" dirty="0" err="1" smtClean="0">
+              <a:t>Maintain table of transactions with associated </a:t>
+            </a:r>
+            <a:r>
+              <a:rPr lang="en-US" sz="1600" i="1" dirty="0" err="1" smtClean="0">
                 <a:solidFill>
                   <a:srgbClr val="024761"/>
                 </a:solidFill>
                 <a:latin typeface="Avenir Book"/>
                 <a:cs typeface="Avenir Book"/>
               </a:rPr>
-              <a:t>ResourceManager</a:t>
-            </a:r>
-            <a:endParaRPr lang="en-US" sz="1600" b="1" dirty="0" smtClean="0">
+              <a:t>expireTime</a:t>
+            </a:r>
+            <a:r>
+              <a:rPr lang="en-US" sz="1600" i="1" dirty="0" smtClean="0">
+                <a:solidFill>
+                  <a:srgbClr val="024761"/>
+                </a:solidFill>
+                <a:latin typeface="Avenir Book"/>
+                <a:cs typeface="Avenir Book"/>
+              </a:rPr>
+              <a:t> in </a:t>
+            </a:r>
+            <a:r>
+              <a:rPr lang="en-US" sz="1600" i="1" dirty="0" err="1" smtClean="0">
+                <a:solidFill>
+                  <a:srgbClr val="024761"/>
+                </a:solidFill>
+                <a:latin typeface="Avenir Book"/>
+                <a:cs typeface="Avenir Book"/>
+              </a:rPr>
+              <a:t>TransactionManager</a:t>
+            </a:r>
+            <a:endParaRPr lang="en-US" sz="1600" dirty="0">
               <a:solidFill>
                 <a:srgbClr val="024761"/>
               </a:solidFill>
@@ -7666,6 +8081,97 @@
           </a:p>
           <a:p>
             <a:pPr marL="285750" indent="-285750">
+              <a:lnSpc>
+                <a:spcPct val="150000"/>
+              </a:lnSpc>
+              <a:buFont typeface="Arial"/>
+              <a:buChar char="•"/>
+            </a:pPr>
+            <a:r>
+              <a:rPr lang="en-US" sz="1600" dirty="0" smtClean="0">
+                <a:solidFill>
+                  <a:srgbClr val="024761"/>
+                </a:solidFill>
+                <a:latin typeface="Avenir Book"/>
+                <a:cs typeface="Avenir Book"/>
+              </a:rPr>
+              <a:t>New Transaction : set time &amp; reset timer for every new operation</a:t>
+            </a:r>
+          </a:p>
+          <a:p>
+            <a:pPr marL="285750" indent="-285750">
+              <a:lnSpc>
+                <a:spcPct val="150000"/>
+              </a:lnSpc>
+              <a:buFont typeface="Arial"/>
+              <a:buChar char="•"/>
+            </a:pPr>
+            <a:r>
+              <a:rPr lang="en-US" sz="1600" dirty="0" smtClean="0">
+                <a:solidFill>
+                  <a:srgbClr val="024761"/>
+                </a:solidFill>
+                <a:latin typeface="Avenir Book"/>
+                <a:cs typeface="Avenir Book"/>
+              </a:rPr>
+              <a:t>Clean Up: in a thread, traverse through table and abort all expired time (</a:t>
+            </a:r>
+            <a:r>
+              <a:rPr lang="en-US" sz="1600" i="1" dirty="0" err="1" smtClean="0">
+                <a:solidFill>
+                  <a:srgbClr val="024761"/>
+                </a:solidFill>
+                <a:latin typeface="Avenir Book"/>
+                <a:cs typeface="Avenir Book"/>
+              </a:rPr>
+              <a:t>expireTime</a:t>
+            </a:r>
+            <a:r>
+              <a:rPr lang="en-US" sz="1600" i="1" dirty="0" smtClean="0">
+                <a:solidFill>
+                  <a:srgbClr val="024761"/>
+                </a:solidFill>
+                <a:latin typeface="Avenir Book"/>
+                <a:cs typeface="Avenir Book"/>
+              </a:rPr>
+              <a:t> &lt; </a:t>
+            </a:r>
+            <a:r>
+              <a:rPr lang="en-US" sz="1600" i="1" dirty="0" err="1" smtClean="0">
+                <a:solidFill>
+                  <a:srgbClr val="024761"/>
+                </a:solidFill>
+                <a:latin typeface="Avenir Book"/>
+                <a:cs typeface="Avenir Book"/>
+              </a:rPr>
+              <a:t>currentTime</a:t>
+            </a:r>
+            <a:r>
+              <a:rPr lang="en-US" sz="1600" i="1" dirty="0" smtClean="0">
+                <a:solidFill>
+                  <a:srgbClr val="024761"/>
+                </a:solidFill>
+                <a:latin typeface="Avenir Book"/>
+                <a:cs typeface="Avenir Book"/>
+              </a:rPr>
+              <a:t>)</a:t>
+            </a:r>
+            <a:r>
+              <a:rPr lang="en-US" sz="1600" dirty="0" smtClean="0">
+                <a:solidFill>
+                  <a:srgbClr val="024761"/>
+                </a:solidFill>
+                <a:latin typeface="Avenir Book"/>
+                <a:cs typeface="Avenir Book"/>
+              </a:rPr>
+              <a:t> </a:t>
+            </a:r>
+          </a:p>
+          <a:p>
+            <a:pPr marL="285750" indent="-285750">
+              <a:lnSpc>
+                <a:spcPct val="150000"/>
+              </a:lnSpc>
               <a:buFont typeface="Arial"/>
               <a:buChar char="•"/>
             </a:pPr>
@@ -7677,128 +8183,11 @@
               <a:cs typeface="Avenir Book"/>
             </a:endParaRPr>
           </a:p>
-          <a:p>
-            <a:endParaRPr lang="en-US" sz="1600" dirty="0">
-              <a:solidFill>
-                <a:srgbClr val="024761"/>
-              </a:solidFill>
-              <a:latin typeface="Avenir Book"/>
-              <a:cs typeface="Avenir Book"/>
-            </a:endParaRPr>
-          </a:p>
-          <a:p>
-            <a:r>
-              <a:rPr lang="en-US" sz="1600" dirty="0" smtClean="0">
-                <a:solidFill>
-                  <a:srgbClr val="024761"/>
-                </a:solidFill>
-                <a:latin typeface="Avenir Book"/>
-                <a:cs typeface="Avenir Book"/>
-              </a:rPr>
-              <a:t>COMMIT: Goes through to RM if</a:t>
-            </a:r>
-            <a:r>
-              <a:rPr lang="en-US" sz="1600" i="1" dirty="0" smtClean="0">
-                <a:solidFill>
-                  <a:srgbClr val="024761"/>
-                </a:solidFill>
-                <a:latin typeface="Avenir Book"/>
-                <a:cs typeface="Avenir Book"/>
-              </a:rPr>
-              <a:t> transaction(id) </a:t>
-            </a:r>
-            <a:r>
-              <a:rPr lang="en-US" sz="1600" dirty="0" smtClean="0">
-                <a:solidFill>
-                  <a:srgbClr val="024761"/>
-                </a:solidFill>
-                <a:latin typeface="Avenir Book"/>
-                <a:cs typeface="Avenir Book"/>
-              </a:rPr>
-              <a:t>exists and removes </a:t>
-            </a:r>
-            <a:r>
-              <a:rPr lang="en-US" sz="1600" i="1" dirty="0" smtClean="0">
-                <a:solidFill>
-                  <a:srgbClr val="024761"/>
-                </a:solidFill>
-                <a:latin typeface="Avenir Book"/>
-                <a:cs typeface="Avenir Book"/>
-              </a:rPr>
-              <a:t>id</a:t>
-            </a:r>
-            <a:r>
-              <a:rPr lang="en-US" sz="1600" dirty="0" smtClean="0">
-                <a:solidFill>
-                  <a:srgbClr val="024761"/>
-                </a:solidFill>
-                <a:latin typeface="Avenir Book"/>
-                <a:cs typeface="Avenir Book"/>
-              </a:rPr>
-              <a:t> from transaction list within RM</a:t>
-            </a:r>
-          </a:p>
-          <a:p>
-            <a:endParaRPr lang="en-US" sz="1600" dirty="0">
-              <a:solidFill>
-                <a:srgbClr val="024761"/>
-              </a:solidFill>
-              <a:latin typeface="Avenir Book"/>
-              <a:cs typeface="Avenir Book"/>
-            </a:endParaRPr>
-          </a:p>
-          <a:p>
-            <a:r>
-              <a:rPr lang="en-US" sz="1600" dirty="0" smtClean="0">
-                <a:solidFill>
-                  <a:srgbClr val="024761"/>
-                </a:solidFill>
-                <a:latin typeface="Avenir Book"/>
-                <a:cs typeface="Avenir Book"/>
-              </a:rPr>
-              <a:t>START: Adds new transaction to RM </a:t>
-            </a:r>
-            <a:endParaRPr lang="en-US" sz="1600" dirty="0">
-              <a:solidFill>
-                <a:srgbClr val="024761"/>
-              </a:solidFill>
-              <a:latin typeface="Avenir Book"/>
-              <a:cs typeface="Avenir Book"/>
-            </a:endParaRPr>
-          </a:p>
-          <a:p>
-            <a:endParaRPr lang="en-US" sz="1600" dirty="0" smtClean="0">
-              <a:solidFill>
-                <a:srgbClr val="024761"/>
-              </a:solidFill>
-              <a:latin typeface="Avenir Book"/>
-              <a:cs typeface="Avenir Book"/>
-            </a:endParaRPr>
-          </a:p>
-          <a:p>
-            <a:r>
-              <a:rPr lang="en-US" sz="1600" dirty="0" smtClean="0">
-                <a:solidFill>
-                  <a:srgbClr val="024761"/>
-                </a:solidFill>
-                <a:latin typeface="Avenir Book"/>
-                <a:cs typeface="Avenir Book"/>
-              </a:rPr>
-              <a:t>ABORT: Will ‘undo’ actions within TM &amp; also re-establish DB state in RM</a:t>
-            </a:r>
-            <a:endParaRPr lang="en-US" sz="1600" dirty="0">
-              <a:solidFill>
-                <a:srgbClr val="024761"/>
-              </a:solidFill>
-              <a:latin typeface="Avenir Book"/>
-              <a:cs typeface="Avenir Book"/>
-            </a:endParaRPr>
-          </a:p>
         </p:txBody>
       </p:sp>
       <p:pic>
         <p:nvPicPr>
-          <p:cNvPr id="6" name="Picture 5" descr="Screen Shot 2015-11-30 at 7.31.52 PM.png"/>
+          <p:cNvPr id="5" name="Picture 4" descr="Screen Shot 2015-11-30 at 8.05.22 PM.png"/>
           <p:cNvPicPr>
             <a:picLocks noChangeAspect="1"/>
           </p:cNvPicPr>
@@ -7818,8 +8207,8 @@
         </p:blipFill>
         <p:spPr>
           <a:xfrm>
-            <a:off x="768638" y="3638090"/>
-            <a:ext cx="7304646" cy="3219909"/>
+            <a:off x="768637" y="3248241"/>
+            <a:ext cx="7758203" cy="3609759"/>
           </a:xfrm>
           <a:prstGeom prst="rect">
             <a:avLst/>
@@ -7829,20 +8218,13 @@
     </p:spTree>
     <p:extLst>
       <p:ext uri="{BB962C8B-B14F-4D97-AF65-F5344CB8AC3E}">
-        <p14:creationId xmlns:p14="http://schemas.microsoft.com/office/powerpoint/2010/main" val="2003978922"/>
+        <p14:creationId xmlns:p14="http://schemas.microsoft.com/office/powerpoint/2010/main" val="2227478913"/>
       </p:ext>
     </p:extLst>
   </p:cSld>
   <p:clrMapOvr>
     <a:masterClrMapping/>
   </p:clrMapOvr>
-  <p:timing>
-    <p:tnLst>
-      <p:par>
-        <p:cTn id="1" dur="indefinite" restart="never" nodeType="tmRoot"/>
-      </p:par>
-    </p:tnLst>
-  </p:timing>
 </p:sld>
 </file>
 
@@ -8163,189 +8545,15 @@
           <a:p>
             <a:r>
               <a:rPr lang="en-US" dirty="0" smtClean="0"/>
-              <a:t>Update-in-place</a:t>
+              <a:t>Two-phase commit – Vote requests</a:t>
             </a:r>
             <a:endParaRPr lang="en-US" dirty="0"/>
-          </a:p>
-        </p:txBody>
-      </p:sp>
-      <p:sp>
-        <p:nvSpPr>
-          <p:cNvPr id="5" name="TextBox 4"/>
-          <p:cNvSpPr txBox="1"/>
-          <p:nvPr/>
-        </p:nvSpPr>
-        <p:spPr>
-          <a:xfrm>
-            <a:off x="768638" y="1329767"/>
-            <a:ext cx="7575261" cy="1918474"/>
-          </a:xfrm>
-          <a:prstGeom prst="rect">
-            <a:avLst/>
-          </a:prstGeom>
-          <a:solidFill>
-            <a:srgbClr val="FFCC00"/>
-          </a:solidFill>
-          <a:ln>
-            <a:solidFill>
-              <a:schemeClr val="tx2"/>
-            </a:solidFill>
-          </a:ln>
-        </p:spPr>
-        <p:txBody>
-          <a:bodyPr wrap="square" rtlCol="0">
-            <a:spAutoFit/>
-          </a:bodyPr>
-          <a:lstStyle/>
-          <a:p>
-            <a:pPr marL="285750" indent="-285750">
-              <a:lnSpc>
-                <a:spcPct val="150000"/>
-              </a:lnSpc>
-              <a:buFont typeface="Arial"/>
-              <a:buChar char="•"/>
-            </a:pPr>
-            <a:r>
-              <a:rPr lang="en-US" sz="1600" dirty="0" smtClean="0">
-                <a:solidFill>
-                  <a:srgbClr val="024761"/>
-                </a:solidFill>
-                <a:latin typeface="Avenir Book"/>
-                <a:cs typeface="Avenir Book"/>
-              </a:rPr>
-              <a:t>Any request is </a:t>
-            </a:r>
-            <a:r>
-              <a:rPr lang="en-US" sz="1600" b="1" dirty="0" smtClean="0">
-                <a:solidFill>
-                  <a:srgbClr val="024761"/>
-                </a:solidFill>
-                <a:latin typeface="Avenir Book"/>
-                <a:cs typeface="Avenir Book"/>
-              </a:rPr>
-              <a:t>executed immediately </a:t>
-            </a:r>
-            <a:r>
-              <a:rPr lang="en-US" sz="1600" dirty="0" smtClean="0">
-                <a:solidFill>
-                  <a:srgbClr val="024761"/>
-                </a:solidFill>
-                <a:latin typeface="Avenir Book"/>
-                <a:cs typeface="Avenir Book"/>
-              </a:rPr>
-              <a:t>by the </a:t>
-            </a:r>
-            <a:r>
-              <a:rPr lang="en-US" sz="1600" i="1" dirty="0" smtClean="0">
-                <a:solidFill>
-                  <a:srgbClr val="024761"/>
-                </a:solidFill>
-                <a:latin typeface="Avenir Book"/>
-                <a:cs typeface="Avenir Book"/>
-              </a:rPr>
-              <a:t>resource manager</a:t>
-            </a:r>
-          </a:p>
-          <a:p>
-            <a:pPr marL="285750" indent="-285750">
-              <a:lnSpc>
-                <a:spcPct val="150000"/>
-              </a:lnSpc>
-              <a:buFont typeface="Arial"/>
-              <a:buChar char="•"/>
-            </a:pPr>
-            <a:r>
-              <a:rPr lang="en-US" sz="1600" dirty="0" smtClean="0">
-                <a:solidFill>
-                  <a:srgbClr val="024761"/>
-                </a:solidFill>
-                <a:latin typeface="Avenir Book"/>
-                <a:cs typeface="Avenir Book"/>
-              </a:rPr>
-              <a:t>Any modifying operation in the </a:t>
-            </a:r>
-            <a:r>
-              <a:rPr lang="en-US" sz="1600" i="1" dirty="0" smtClean="0">
-                <a:solidFill>
-                  <a:srgbClr val="024761"/>
-                </a:solidFill>
-                <a:latin typeface="Avenir Book"/>
-                <a:cs typeface="Avenir Book"/>
-              </a:rPr>
-              <a:t>resource manager</a:t>
-            </a:r>
-            <a:r>
-              <a:rPr lang="en-US" sz="1600" dirty="0" smtClean="0">
-                <a:solidFill>
-                  <a:srgbClr val="024761"/>
-                </a:solidFill>
-                <a:latin typeface="Avenir Book"/>
-                <a:cs typeface="Avenir Book"/>
-              </a:rPr>
-              <a:t> will be saved in an </a:t>
-            </a:r>
-            <a:r>
-              <a:rPr lang="en-US" sz="1600" i="1" dirty="0" smtClean="0">
-                <a:solidFill>
-                  <a:srgbClr val="024761"/>
-                </a:solidFill>
-                <a:latin typeface="Avenir Book"/>
-                <a:cs typeface="Avenir Book"/>
-              </a:rPr>
-              <a:t>Operation object</a:t>
-            </a:r>
-            <a:r>
-              <a:rPr lang="en-US" sz="1600" dirty="0" smtClean="0">
-                <a:solidFill>
-                  <a:srgbClr val="024761"/>
-                </a:solidFill>
-                <a:latin typeface="Avenir Book"/>
-                <a:cs typeface="Avenir Book"/>
-              </a:rPr>
-              <a:t> and added to List&lt;Operations&gt;</a:t>
-            </a:r>
-          </a:p>
-          <a:p>
-            <a:pPr marL="285750" indent="-285750">
-              <a:lnSpc>
-                <a:spcPct val="150000"/>
-              </a:lnSpc>
-              <a:buFont typeface="Arial"/>
-              <a:buChar char="•"/>
-            </a:pPr>
-            <a:r>
-              <a:rPr lang="en-US" sz="1600" dirty="0" smtClean="0">
-                <a:solidFill>
-                  <a:srgbClr val="024761"/>
-                </a:solidFill>
-                <a:latin typeface="Avenir Book"/>
-                <a:cs typeface="Avenir Book"/>
-              </a:rPr>
-              <a:t>Any </a:t>
-            </a:r>
-            <a:r>
-              <a:rPr lang="en-US" sz="1600" i="1" dirty="0" smtClean="0">
-                <a:solidFill>
-                  <a:srgbClr val="024761"/>
-                </a:solidFill>
-                <a:latin typeface="Avenir Book"/>
-                <a:cs typeface="Avenir Book"/>
-              </a:rPr>
-              <a:t>abort the RM will iterate List&lt;Operations&gt; and undo from recent to oldest</a:t>
-            </a:r>
-            <a:endParaRPr lang="en-US" sz="1600" dirty="0" smtClean="0">
-              <a:solidFill>
-                <a:srgbClr val="024761"/>
-              </a:solidFill>
-              <a:latin typeface="Avenir Book"/>
-              <a:cs typeface="Avenir Book"/>
-            </a:endParaRPr>
           </a:p>
         </p:txBody>
       </p:sp>
       <p:pic>
         <p:nvPicPr>
-          <p:cNvPr id="3" name="Picture 2" descr="Screen Shot 2015-11-30 at 7.55.10 PM.png"/>
+          <p:cNvPr id="7" name="Picture 6"/>
           <p:cNvPicPr>
             <a:picLocks noChangeAspect="1"/>
           </p:cNvPicPr>
@@ -8365,8 +8573,8 @@
         </p:blipFill>
         <p:spPr>
           <a:xfrm>
-            <a:off x="768638" y="3248240"/>
-            <a:ext cx="7575261" cy="3609759"/>
+            <a:off x="254679" y="1481560"/>
+            <a:ext cx="8657501" cy="4617334"/>
           </a:xfrm>
           <a:prstGeom prst="rect">
             <a:avLst/>
@@ -8376,7 +8584,7 @@
     </p:spTree>
     <p:extLst>
       <p:ext uri="{BB962C8B-B14F-4D97-AF65-F5344CB8AC3E}">
-        <p14:creationId xmlns:p14="http://schemas.microsoft.com/office/powerpoint/2010/main" val="1868401959"/>
+        <p14:creationId xmlns:p14="http://schemas.microsoft.com/office/powerpoint/2010/main" val="566458225"/>
       </p:ext>
     </p:extLst>
   </p:cSld>
@@ -8420,255 +8628,28 @@
             <p:ph type="title"/>
           </p:nvPr>
         </p:nvSpPr>
-        <p:spPr/>
+        <p:spPr>
+          <a:xfrm>
+            <a:off x="370391" y="365760"/>
+            <a:ext cx="8275898" cy="548640"/>
+          </a:xfrm>
+        </p:spPr>
         <p:txBody>
           <a:bodyPr/>
           <a:lstStyle/>
           <a:p>
+            <a:pPr algn="ctr"/>
             <a:r>
               <a:rPr lang="en-US" dirty="0" smtClean="0"/>
-              <a:t>Deferred-update</a:t>
+              <a:t>Two-phase commit – Send decisions</a:t>
             </a:r>
             <a:endParaRPr lang="en-US" dirty="0"/>
-          </a:p>
-        </p:txBody>
-      </p:sp>
-      <p:sp>
-        <p:nvSpPr>
-          <p:cNvPr id="5" name="TextBox 4"/>
-          <p:cNvSpPr txBox="1"/>
-          <p:nvPr/>
-        </p:nvSpPr>
-        <p:spPr>
-          <a:xfrm>
-            <a:off x="768638" y="1329767"/>
-            <a:ext cx="7575261" cy="1918474"/>
-          </a:xfrm>
-          <a:prstGeom prst="rect">
-            <a:avLst/>
-          </a:prstGeom>
-          <a:solidFill>
-            <a:srgbClr val="FFCC00"/>
-          </a:solidFill>
-          <a:ln>
-            <a:solidFill>
-              <a:schemeClr val="tx2"/>
-            </a:solidFill>
-          </a:ln>
-        </p:spPr>
-        <p:txBody>
-          <a:bodyPr wrap="square" rtlCol="0">
-            <a:spAutoFit/>
-          </a:bodyPr>
-          <a:lstStyle/>
-          <a:p>
-            <a:pPr marL="285750" indent="-285750">
-              <a:lnSpc>
-                <a:spcPct val="150000"/>
-              </a:lnSpc>
-              <a:buFont typeface="Arial"/>
-              <a:buChar char="•"/>
-            </a:pPr>
-            <a:r>
-              <a:rPr lang="en-US" sz="1600" dirty="0" smtClean="0">
-                <a:solidFill>
-                  <a:srgbClr val="024761"/>
-                </a:solidFill>
-                <a:latin typeface="Avenir Book"/>
-                <a:cs typeface="Avenir Book"/>
-              </a:rPr>
-              <a:t>Any </a:t>
-            </a:r>
-            <a:r>
-              <a:rPr lang="en-US" sz="1600" i="1" dirty="0" smtClean="0">
-                <a:solidFill>
-                  <a:srgbClr val="024761"/>
-                </a:solidFill>
-                <a:latin typeface="Avenir Book"/>
-                <a:cs typeface="Avenir Book"/>
-              </a:rPr>
-              <a:t>request </a:t>
-            </a:r>
-            <a:r>
-              <a:rPr lang="en-US" sz="1600" dirty="0" smtClean="0">
-                <a:solidFill>
-                  <a:srgbClr val="024761"/>
-                </a:solidFill>
-                <a:latin typeface="Avenir Book"/>
-                <a:cs typeface="Avenir Book"/>
-              </a:rPr>
-              <a:t>is buffered until commit time : List&lt;</a:t>
-            </a:r>
-            <a:r>
-              <a:rPr lang="en-US" sz="1600" dirty="0" err="1" smtClean="0">
-                <a:solidFill>
-                  <a:srgbClr val="024761"/>
-                </a:solidFill>
-                <a:latin typeface="Avenir Book"/>
-                <a:cs typeface="Avenir Book"/>
-              </a:rPr>
-              <a:t>ActiveTransactions</a:t>
-            </a:r>
-            <a:r>
-              <a:rPr lang="en-US" sz="1600" dirty="0" smtClean="0">
-                <a:solidFill>
-                  <a:srgbClr val="024761"/>
-                </a:solidFill>
-                <a:latin typeface="Avenir Book"/>
-                <a:cs typeface="Avenir Book"/>
-              </a:rPr>
-              <a:t>&gt;</a:t>
-            </a:r>
-          </a:p>
-          <a:p>
-            <a:pPr marL="285750" indent="-285750">
-              <a:lnSpc>
-                <a:spcPct val="150000"/>
-              </a:lnSpc>
-              <a:buFont typeface="Arial"/>
-              <a:buChar char="•"/>
-            </a:pPr>
-            <a:r>
-              <a:rPr lang="en-US" sz="1600" dirty="0" smtClean="0">
-                <a:solidFill>
-                  <a:srgbClr val="024761"/>
-                </a:solidFill>
-                <a:latin typeface="Avenir Book"/>
-                <a:cs typeface="Avenir Book"/>
-              </a:rPr>
-              <a:t>On </a:t>
-            </a:r>
-            <a:r>
-              <a:rPr lang="en-US" sz="1600" i="1" dirty="0" smtClean="0">
-                <a:solidFill>
-                  <a:srgbClr val="024761"/>
-                </a:solidFill>
-                <a:latin typeface="Avenir Book"/>
-                <a:cs typeface="Avenir Book"/>
-              </a:rPr>
-              <a:t>commit</a:t>
-            </a:r>
-            <a:r>
-              <a:rPr lang="en-US" sz="1600" b="1" i="1" dirty="0" smtClean="0">
-                <a:solidFill>
-                  <a:srgbClr val="024761"/>
-                </a:solidFill>
-                <a:latin typeface="Avenir Book"/>
-                <a:cs typeface="Avenir Book"/>
-              </a:rPr>
-              <a:t> of some transaction X, RM goes over </a:t>
-            </a:r>
-            <a:r>
-              <a:rPr lang="en-US" sz="1600" i="1" dirty="0" smtClean="0">
-                <a:solidFill>
-                  <a:srgbClr val="024761"/>
-                </a:solidFill>
-                <a:latin typeface="Avenir Book"/>
-                <a:cs typeface="Avenir Book"/>
-              </a:rPr>
-              <a:t>Operations </a:t>
-            </a:r>
-            <a:r>
-              <a:rPr lang="en-US" sz="1600" dirty="0" smtClean="0">
-                <a:solidFill>
-                  <a:srgbClr val="024761"/>
-                </a:solidFill>
-                <a:latin typeface="Avenir Book"/>
-                <a:cs typeface="Avenir Book"/>
-              </a:rPr>
-              <a:t>within X, and performs all </a:t>
-            </a:r>
-            <a:r>
-              <a:rPr lang="en-US" sz="1600" i="1" dirty="0" smtClean="0">
-                <a:solidFill>
-                  <a:srgbClr val="024761"/>
-                </a:solidFill>
-                <a:latin typeface="Avenir Book"/>
-                <a:cs typeface="Avenir Book"/>
-              </a:rPr>
-              <a:t>write</a:t>
-            </a:r>
-            <a:r>
-              <a:rPr lang="en-US" sz="1600" dirty="0" smtClean="0">
-                <a:solidFill>
-                  <a:srgbClr val="024761"/>
-                </a:solidFill>
-                <a:latin typeface="Avenir Book"/>
-                <a:cs typeface="Avenir Book"/>
-              </a:rPr>
-              <a:t> operations from oldest – newest.</a:t>
-            </a:r>
-          </a:p>
-          <a:p>
-            <a:pPr marL="285750" indent="-285750">
-              <a:lnSpc>
-                <a:spcPct val="150000"/>
-              </a:lnSpc>
-              <a:buFont typeface="Arial"/>
-              <a:buChar char="•"/>
-            </a:pPr>
-            <a:r>
-              <a:rPr lang="en-US" sz="1600" dirty="0" smtClean="0">
-                <a:solidFill>
-                  <a:srgbClr val="024761"/>
-                </a:solidFill>
-                <a:latin typeface="Avenir Book"/>
-                <a:cs typeface="Avenir Book"/>
-              </a:rPr>
-              <a:t>Concurrency: </a:t>
-            </a:r>
-            <a:r>
-              <a:rPr lang="en-US" sz="1600" i="1" dirty="0" err="1" smtClean="0">
-                <a:solidFill>
-                  <a:srgbClr val="024761"/>
-                </a:solidFill>
-                <a:latin typeface="Avenir Book"/>
-                <a:cs typeface="Avenir Book"/>
-              </a:rPr>
-              <a:t>lockManager</a:t>
-            </a:r>
-            <a:r>
-              <a:rPr lang="en-US" sz="1600" dirty="0">
-                <a:solidFill>
-                  <a:srgbClr val="024761"/>
-                </a:solidFill>
-                <a:latin typeface="Avenir Book"/>
-                <a:cs typeface="Avenir Book"/>
-              </a:rPr>
-              <a:t> </a:t>
-            </a:r>
-            <a:r>
-              <a:rPr lang="en-US" sz="1600" dirty="0" smtClean="0">
-                <a:solidFill>
-                  <a:srgbClr val="024761"/>
-                </a:solidFill>
-                <a:latin typeface="Avenir Book"/>
-                <a:cs typeface="Avenir Book"/>
-              </a:rPr>
-              <a:t>will secure data for each item</a:t>
-            </a:r>
-          </a:p>
-          <a:p>
-            <a:pPr marL="285750" indent="-285750">
-              <a:lnSpc>
-                <a:spcPct val="150000"/>
-              </a:lnSpc>
-              <a:buFont typeface="Arial"/>
-              <a:buChar char="•"/>
-            </a:pPr>
-            <a:endParaRPr lang="en-US" sz="1600" dirty="0" smtClean="0">
-              <a:solidFill>
-                <a:srgbClr val="024761"/>
-              </a:solidFill>
-              <a:latin typeface="Avenir Book"/>
-              <a:cs typeface="Avenir Book"/>
-            </a:endParaRPr>
           </a:p>
         </p:txBody>
       </p:sp>
       <p:pic>
         <p:nvPicPr>
-          <p:cNvPr id="3" name="Picture 2" descr="Screen Shot 2015-11-30 at 8.00.18 PM.png"/>
+          <p:cNvPr id="5" name="Picture 4"/>
           <p:cNvPicPr>
             <a:picLocks noChangeAspect="1"/>
           </p:cNvPicPr>
@@ -8688,8 +8669,8 @@
         </p:blipFill>
         <p:spPr>
           <a:xfrm>
-            <a:off x="768639" y="2928499"/>
-            <a:ext cx="7575262" cy="3929500"/>
+            <a:off x="455481" y="1134319"/>
+            <a:ext cx="8105718" cy="5303741"/>
           </a:xfrm>
           <a:prstGeom prst="rect">
             <a:avLst/>
@@ -8699,13 +8680,20 @@
     </p:spTree>
     <p:extLst>
       <p:ext uri="{BB962C8B-B14F-4D97-AF65-F5344CB8AC3E}">
-        <p14:creationId xmlns:p14="http://schemas.microsoft.com/office/powerpoint/2010/main" val="1868401959"/>
+        <p14:creationId xmlns:p14="http://schemas.microsoft.com/office/powerpoint/2010/main" val="1455801765"/>
       </p:ext>
     </p:extLst>
   </p:cSld>
   <p:clrMapOvr>
     <a:masterClrMapping/>
   </p:clrMapOvr>
+  <p:timing>
+    <p:tnLst>
+      <p:par>
+        <p:cTn id="1" dur="indefinite" restart="never" nodeType="tmRoot"/>
+      </p:par>
+    </p:tnLst>
+  </p:timing>
 </p:sld>
 </file>
 
@@ -8743,7 +8731,7 @@
           <a:p>
             <a:r>
               <a:rPr lang="en-US" dirty="0" smtClean="0"/>
-              <a:t>Time to live (TTL)</a:t>
+              <a:t>Data storage</a:t>
             </a:r>
             <a:endParaRPr lang="en-US" dirty="0"/>
           </a:p>
@@ -8751,25 +8739,64 @@
       </p:sp>
       <p:sp>
         <p:nvSpPr>
-          <p:cNvPr id="4" name="TextBox 3"/>
+          <p:cNvPr id="3" name="Right Triangle 2"/>
+          <p:cNvSpPr/>
+          <p:nvPr/>
+        </p:nvSpPr>
+        <p:spPr>
+          <a:xfrm rot="16200000">
+            <a:off x="3069375" y="-1014666"/>
+            <a:ext cx="5027687" cy="7100047"/>
+          </a:xfrm>
+          <a:prstGeom prst="rtTriangle">
+            <a:avLst/>
+          </a:prstGeom>
+          <a:solidFill>
+            <a:schemeClr val="accent3">
+              <a:alpha val="43000"/>
+            </a:schemeClr>
+          </a:solidFill>
+        </p:spPr>
+        <p:style>
+          <a:lnRef idx="1">
+            <a:schemeClr val="accent1"/>
+          </a:lnRef>
+          <a:fillRef idx="3">
+            <a:schemeClr val="accent1"/>
+          </a:fillRef>
+          <a:effectRef idx="2">
+            <a:schemeClr val="accent1"/>
+          </a:effectRef>
+          <a:fontRef idx="minor">
+            <a:schemeClr val="lt1"/>
+          </a:fontRef>
+        </p:style>
+        <p:txBody>
+          <a:bodyPr rtlCol="0" anchor="ctr"/>
+          <a:lstStyle/>
+          <a:p>
+            <a:pPr algn="ctr"/>
+            <a:endParaRPr lang="en-US"/>
+          </a:p>
+        </p:txBody>
+      </p:sp>
+      <p:sp>
+        <p:nvSpPr>
+          <p:cNvPr id="7" name="TextBox 6"/>
           <p:cNvSpPr txBox="1"/>
           <p:nvPr/>
         </p:nvSpPr>
         <p:spPr>
           <a:xfrm>
-            <a:off x="768637" y="1329767"/>
-            <a:ext cx="7758203" cy="1938992"/>
+            <a:off x="822960" y="1074853"/>
+            <a:ext cx="5695278" cy="441146"/>
           </a:xfrm>
           <a:prstGeom prst="rect">
             <a:avLst/>
           </a:prstGeom>
-          <a:solidFill>
-            <a:srgbClr val="FFCC00"/>
-          </a:solidFill>
+          <a:noFill/>
           <a:ln>
-            <a:solidFill>
-              <a:schemeClr val="tx2"/>
-            </a:solidFill>
+            <a:noFill/>
           </a:ln>
         </p:spPr>
         <p:txBody>
@@ -8793,37 +8820,107 @@
                 <a:latin typeface="Avenir Book"/>
                 <a:cs typeface="Avenir Book"/>
               </a:rPr>
-              <a:t>Maintain table of transactions with associated </a:t>
-            </a:r>
-            <a:r>
-              <a:rPr lang="en-US" sz="1600" i="1" dirty="0" err="1" smtClean="0">
+              <a:t>MIDDLEWARE: Stores customer data &amp; information</a:t>
+            </a:r>
+          </a:p>
+        </p:txBody>
+      </p:sp>
+      <p:sp>
+        <p:nvSpPr>
+          <p:cNvPr id="8" name="TextBox 7"/>
+          <p:cNvSpPr txBox="1"/>
+          <p:nvPr/>
+        </p:nvSpPr>
+        <p:spPr>
+          <a:xfrm>
+            <a:off x="822960" y="1862193"/>
+            <a:ext cx="5060301" cy="810478"/>
+          </a:xfrm>
+          <a:prstGeom prst="rect">
+            <a:avLst/>
+          </a:prstGeom>
+          <a:noFill/>
+          <a:ln>
+            <a:noFill/>
+          </a:ln>
+        </p:spPr>
+        <p:txBody>
+          <a:bodyPr wrap="square" rtlCol="0">
+            <a:spAutoFit/>
+          </a:bodyPr>
+          <a:lstStyle/>
+          <a:p>
+            <a:pPr marL="285750" indent="-285750">
+              <a:lnSpc>
+                <a:spcPct val="150000"/>
+              </a:lnSpc>
+              <a:buFont typeface="Arial"/>
+              <a:buChar char="•"/>
+            </a:pPr>
+            <a:r>
+              <a:rPr lang="en-US" sz="1600" dirty="0">
                 <a:solidFill>
                   <a:srgbClr val="024761"/>
                 </a:solidFill>
                 <a:latin typeface="Avenir Book"/>
                 <a:cs typeface="Avenir Book"/>
               </a:rPr>
-              <a:t>expireTime</a:t>
-            </a:r>
-            <a:r>
-              <a:rPr lang="en-US" sz="1600" i="1" dirty="0" smtClean="0">
+              <a:t>TRANSACTION MANAGER: Stores transaction information and TTL</a:t>
+            </a:r>
+          </a:p>
+        </p:txBody>
+      </p:sp>
+      <p:sp>
+        <p:nvSpPr>
+          <p:cNvPr id="10" name="TextBox 9"/>
+          <p:cNvSpPr txBox="1"/>
+          <p:nvPr/>
+        </p:nvSpPr>
+        <p:spPr>
+          <a:xfrm>
+            <a:off x="822960" y="2940353"/>
+            <a:ext cx="2883235" cy="1200329"/>
+          </a:xfrm>
+          <a:prstGeom prst="rect">
+            <a:avLst/>
+          </a:prstGeom>
+          <a:noFill/>
+          <a:ln>
+            <a:noFill/>
+          </a:ln>
+        </p:spPr>
+        <p:txBody>
+          <a:bodyPr wrap="square" rtlCol="0">
+            <a:spAutoFit/>
+          </a:bodyPr>
+          <a:lstStyle/>
+          <a:p>
+            <a:pPr marL="285750" indent="-285750">
+              <a:lnSpc>
+                <a:spcPct val="150000"/>
+              </a:lnSpc>
+              <a:buFont typeface="Arial"/>
+              <a:buChar char="•"/>
+            </a:pPr>
+            <a:r>
+              <a:rPr lang="en-US" sz="1600" dirty="0">
                 <a:solidFill>
                   <a:srgbClr val="024761"/>
                 </a:solidFill>
                 <a:latin typeface="Avenir Book"/>
                 <a:cs typeface="Avenir Book"/>
               </a:rPr>
-              <a:t> in </a:t>
-            </a:r>
-            <a:r>
-              <a:rPr lang="en-US" sz="1600" i="1" dirty="0" err="1" smtClean="0">
+              <a:t>RESOURCE MANAGER: F</a:t>
+            </a:r>
+            <a:r>
+              <a:rPr lang="en-US" sz="1600" dirty="0" smtClean="0">
                 <a:solidFill>
                   <a:srgbClr val="024761"/>
                 </a:solidFill>
                 <a:latin typeface="Avenir Book"/>
                 <a:cs typeface="Avenir Book"/>
               </a:rPr>
-              <a:t>TransactionManager</a:t>
+              <a:t>lights, cars, rooms and reservations</a:t>
             </a:r>
             <a:endParaRPr lang="en-US" sz="1600" dirty="0">
               <a:solidFill>
@@ -8833,146 +8930,12 @@
               <a:cs typeface="Avenir Book"/>
             </a:endParaRPr>
           </a:p>
-          <a:p>
-            <a:pPr marL="285750" indent="-285750">
-              <a:lnSpc>
-                <a:spcPct val="150000"/>
-              </a:lnSpc>
-              <a:buFont typeface="Arial"/>
-              <a:buChar char="•"/>
-            </a:pPr>
-            <a:r>
-              <a:rPr lang="en-US" sz="1600" dirty="0" smtClean="0">
-                <a:solidFill>
-                  <a:srgbClr val="024761"/>
-                </a:solidFill>
-                <a:latin typeface="Avenir Book"/>
-                <a:cs typeface="Avenir Book"/>
-              </a:rPr>
-              <a:t>New Transaction : set time &amp; reset timer for every new operation</a:t>
-            </a:r>
-          </a:p>
-          <a:p>
-            <a:pPr marL="285750" indent="-285750">
-              <a:lnSpc>
-                <a:spcPct val="150000"/>
-              </a:lnSpc>
-              <a:buFont typeface="Arial"/>
-              <a:buChar char="•"/>
-            </a:pPr>
-            <a:r>
-              <a:rPr lang="en-US" sz="1600" dirty="0" smtClean="0">
-                <a:solidFill>
-                  <a:srgbClr val="024761"/>
-                </a:solidFill>
-                <a:latin typeface="Avenir Book"/>
-                <a:cs typeface="Avenir Book"/>
-              </a:rPr>
-              <a:t>Clean Up: in a thread, traverse through table and abort all expired time (</a:t>
-            </a:r>
-            <a:r>
-              <a:rPr lang="en-US" sz="1600" i="1" dirty="0" err="1" smtClean="0">
-                <a:solidFill>
-                  <a:srgbClr val="024761"/>
-                </a:solidFill>
-                <a:latin typeface="Avenir Book"/>
-                <a:cs typeface="Avenir Book"/>
-              </a:rPr>
-              <a:t>expireTime</a:t>
-            </a:r>
-            <a:r>
-              <a:rPr lang="en-US" sz="1600" i="1" dirty="0" smtClean="0">
-                <a:solidFill>
-                  <a:srgbClr val="024761"/>
-                </a:solidFill>
-                <a:latin typeface="Avenir Book"/>
-                <a:cs typeface="Avenir Book"/>
-              </a:rPr>
-              <a:t> &lt; </a:t>
-            </a:r>
-            <a:r>
-              <a:rPr lang="en-US" sz="1600" i="1" dirty="0" err="1" smtClean="0">
-                <a:solidFill>
-                  <a:srgbClr val="024761"/>
-                </a:solidFill>
-                <a:latin typeface="Avenir Book"/>
-                <a:cs typeface="Avenir Book"/>
-              </a:rPr>
-              <a:t>currentTime</a:t>
-            </a:r>
-            <a:r>
-              <a:rPr lang="en-US" sz="1600" i="1" dirty="0" smtClean="0">
-                <a:solidFill>
-                  <a:srgbClr val="024761"/>
-                </a:solidFill>
-                <a:latin typeface="Avenir Book"/>
-                <a:cs typeface="Avenir Book"/>
-              </a:rPr>
-              <a:t>)</a:t>
-            </a:r>
-            <a:r>
-              <a:rPr lang="en-US" sz="1600" dirty="0" smtClean="0">
-                <a:solidFill>
-                  <a:srgbClr val="024761"/>
-                </a:solidFill>
-                <a:latin typeface="Avenir Book"/>
-                <a:cs typeface="Avenir Book"/>
-              </a:rPr>
-              <a:t> </a:t>
-            </a:r>
-          </a:p>
-          <a:p>
-            <a:pPr marL="285750" indent="-285750">
-              <a:lnSpc>
-                <a:spcPct val="150000"/>
-              </a:lnSpc>
-              <a:buFont typeface="Arial"/>
-              <a:buChar char="•"/>
-            </a:pPr>
-            <a:endParaRPr lang="en-US" sz="1600" dirty="0" smtClean="0">
-              <a:solidFill>
-                <a:srgbClr val="024761"/>
-              </a:solidFill>
-              <a:latin typeface="Avenir Book"/>
-              <a:cs typeface="Avenir Book"/>
-            </a:endParaRPr>
-          </a:p>
-        </p:txBody>
-      </p:sp>
-      <p:pic>
-        <p:nvPicPr>
-          <p:cNvPr id="5" name="Picture 4" descr="Screen Shot 2015-11-30 at 8.05.22 PM.png"/>
-          <p:cNvPicPr>
-            <a:picLocks noChangeAspect="1"/>
-          </p:cNvPicPr>
-          <p:nvPr/>
-        </p:nvPicPr>
-        <p:blipFill>
-          <a:blip r:embed="rId2">
-            <a:extLst>
-              <a:ext uri="{28A0092B-C50C-407E-A947-70E740481C1C}">
-                <a14:useLocalDpi xmlns:a14="http://schemas.microsoft.com/office/drawing/2010/main" val="0"/>
-              </a:ext>
-            </a:extLst>
-          </a:blip>
-          <a:stretch>
-            <a:fillRect/>
-          </a:stretch>
-        </p:blipFill>
-        <p:spPr>
-          <a:xfrm>
-            <a:off x="768637" y="3248241"/>
-            <a:ext cx="7758203" cy="3609759"/>
-          </a:xfrm>
-          <a:prstGeom prst="rect">
-            <a:avLst/>
-          </a:prstGeom>
-        </p:spPr>
-      </p:pic>
+        </p:txBody>
+      </p:sp>
     </p:spTree>
     <p:extLst>
       <p:ext uri="{BB962C8B-B14F-4D97-AF65-F5344CB8AC3E}">
-        <p14:creationId xmlns:p14="http://schemas.microsoft.com/office/powerpoint/2010/main" val="2227478913"/>
+        <p14:creationId xmlns:p14="http://schemas.microsoft.com/office/powerpoint/2010/main" val="583730403"/>
       </p:ext>
     </p:extLst>
   </p:cSld>
@@ -9016,7 +8979,7 @@
           <a:p>
             <a:r>
               <a:rPr lang="en-US" dirty="0" smtClean="0"/>
-              <a:t>Data storage</a:t>
+              <a:t>Data recovery – MW &amp; RM</a:t>
             </a:r>
             <a:endParaRPr lang="en-US" dirty="0"/>
           </a:p>
@@ -9024,64 +8987,25 @@
       </p:sp>
       <p:sp>
         <p:nvSpPr>
-          <p:cNvPr id="3" name="Right Triangle 2"/>
-          <p:cNvSpPr/>
+          <p:cNvPr id="5" name="TextBox 4"/>
+          <p:cNvSpPr txBox="1"/>
           <p:nvPr/>
         </p:nvSpPr>
         <p:spPr>
-          <a:xfrm rot="16200000">
-            <a:off x="3069375" y="-1014666"/>
-            <a:ext cx="5027687" cy="7100047"/>
-          </a:xfrm>
-          <a:prstGeom prst="rtTriangle">
+          <a:xfrm>
+            <a:off x="453557" y="1329767"/>
+            <a:ext cx="8436128" cy="1938992"/>
+          </a:xfrm>
+          <a:prstGeom prst="rect">
             <a:avLst/>
           </a:prstGeom>
           <a:solidFill>
-            <a:schemeClr val="accent3">
-              <a:alpha val="43000"/>
-            </a:schemeClr>
+            <a:srgbClr val="FFCC00"/>
           </a:solidFill>
-        </p:spPr>
-        <p:style>
-          <a:lnRef idx="1">
-            <a:schemeClr val="accent1"/>
-          </a:lnRef>
-          <a:fillRef idx="3">
-            <a:schemeClr val="accent1"/>
-          </a:fillRef>
-          <a:effectRef idx="2">
-            <a:schemeClr val="accent1"/>
-          </a:effectRef>
-          <a:fontRef idx="minor">
-            <a:schemeClr val="lt1"/>
-          </a:fontRef>
-        </p:style>
-        <p:txBody>
-          <a:bodyPr rtlCol="0" anchor="ctr"/>
-          <a:lstStyle/>
-          <a:p>
-            <a:pPr algn="ctr"/>
-            <a:endParaRPr lang="en-US"/>
-          </a:p>
-        </p:txBody>
-      </p:sp>
-      <p:sp>
-        <p:nvSpPr>
-          <p:cNvPr id="7" name="TextBox 6"/>
-          <p:cNvSpPr txBox="1"/>
-          <p:nvPr/>
-        </p:nvSpPr>
-        <p:spPr>
-          <a:xfrm>
-            <a:off x="822960" y="1074853"/>
-            <a:ext cx="5695278" cy="441146"/>
-          </a:xfrm>
-          <a:prstGeom prst="rect">
-            <a:avLst/>
-          </a:prstGeom>
-          <a:noFill/>
           <a:ln>
-            <a:noFill/>
+            <a:solidFill>
+              <a:schemeClr val="tx2"/>
+            </a:solidFill>
           </a:ln>
         </p:spPr>
         <p:txBody>
@@ -9105,35 +9029,29 @@
                 <a:latin typeface="Avenir Book"/>
                 <a:cs typeface="Avenir Book"/>
               </a:rPr>
-              <a:t>MIDDLEWARE: Stores customer data &amp; information</a:t>
-            </a:r>
-          </a:p>
-        </p:txBody>
-      </p:sp>
-      <p:sp>
-        <p:nvSpPr>
-          <p:cNvPr id="8" name="TextBox 7"/>
-          <p:cNvSpPr txBox="1"/>
-          <p:nvPr/>
-        </p:nvSpPr>
-        <p:spPr>
-          <a:xfrm>
-            <a:off x="822960" y="1862193"/>
-            <a:ext cx="5060301" cy="810478"/>
-          </a:xfrm>
-          <a:prstGeom prst="rect">
-            <a:avLst/>
-          </a:prstGeom>
-          <a:noFill/>
-          <a:ln>
-            <a:noFill/>
-          </a:ln>
-        </p:spPr>
-        <p:txBody>
-          <a:bodyPr wrap="square" rtlCol="0">
-            <a:spAutoFit/>
-          </a:bodyPr>
-          <a:lstStyle/>
+              <a:t>Save at strategic points in time to backup files (Within </a:t>
+            </a:r>
+            <a:r>
+              <a:rPr lang="en-US" sz="1600" i="1" dirty="0" smtClean="0">
+                <a:solidFill>
+                  <a:srgbClr val="024761"/>
+                </a:solidFill>
+                <a:latin typeface="Avenir Book"/>
+                <a:cs typeface="Avenir Book"/>
+              </a:rPr>
+              <a:t>Storage</a:t>
+            </a:r>
+            <a:r>
+              <a:rPr lang="en-US" sz="1600" dirty="0" smtClean="0">
+                <a:solidFill>
+                  <a:srgbClr val="024761"/>
+                </a:solidFill>
+                <a:latin typeface="Avenir Book"/>
+                <a:cs typeface="Avenir Book"/>
+              </a:rPr>
+              <a:t> class)</a:t>
+            </a:r>
+          </a:p>
           <a:p>
             <a:pPr marL="285750" indent="-285750">
               <a:lnSpc>
@@ -9143,42 +9061,46 @@
               <a:buChar char="•"/>
             </a:pPr>
             <a:r>
-              <a:rPr lang="en-US" sz="1600" dirty="0">
+              <a:rPr lang="en-US" sz="1600" dirty="0" smtClean="0">
                 <a:solidFill>
                   <a:srgbClr val="024761"/>
                 </a:solidFill>
                 <a:latin typeface="Avenir Book"/>
                 <a:cs typeface="Avenir Book"/>
               </a:rPr>
-              <a:t>TRANSACTION MANAGER: Stores transaction information and TTL</a:t>
-            </a:r>
-          </a:p>
-        </p:txBody>
-      </p:sp>
-      <p:sp>
-        <p:nvSpPr>
-          <p:cNvPr id="10" name="TextBox 9"/>
-          <p:cNvSpPr txBox="1"/>
-          <p:nvPr/>
-        </p:nvSpPr>
-        <p:spPr>
-          <a:xfrm>
-            <a:off x="822960" y="2940353"/>
-            <a:ext cx="2883235" cy="1200329"/>
-          </a:xfrm>
-          <a:prstGeom prst="rect">
-            <a:avLst/>
-          </a:prstGeom>
-          <a:noFill/>
-          <a:ln>
-            <a:noFill/>
-          </a:ln>
-        </p:spPr>
-        <p:txBody>
-          <a:bodyPr wrap="square" rtlCol="0">
-            <a:spAutoFit/>
-          </a:bodyPr>
-          <a:lstStyle/>
+              <a:t>Upon </a:t>
+            </a:r>
+            <a:r>
+              <a:rPr lang="en-US" sz="1600" dirty="0" smtClean="0">
+                <a:solidFill>
+                  <a:srgbClr val="024761"/>
+                </a:solidFill>
+                <a:latin typeface="Avenir Book"/>
+                <a:cs typeface="Avenir Book"/>
+              </a:rPr>
+              <a:t>initialization </a:t>
+            </a:r>
+            <a:r>
+              <a:rPr lang="en-US" sz="1600" dirty="0" smtClean="0">
+                <a:solidFill>
+                  <a:srgbClr val="024761"/>
+                </a:solidFill>
+                <a:latin typeface="Avenir Book"/>
+                <a:cs typeface="Avenir Book"/>
+              </a:rPr>
+              <a:t>(MW </a:t>
+            </a:r>
+            <a:r>
+              <a:rPr lang="en-US" sz="1600" dirty="0" smtClean="0">
+                <a:solidFill>
+                  <a:srgbClr val="024761"/>
+                </a:solidFill>
+                <a:latin typeface="Avenir Book"/>
+                <a:cs typeface="Avenir Book"/>
+              </a:rPr>
+              <a:t>or RM) check for existing backup file</a:t>
+            </a:r>
+          </a:p>
           <a:p>
             <a:pPr marL="285750" indent="-285750">
               <a:lnSpc>
@@ -9187,26 +9109,22 @@
               <a:buFont typeface="Arial"/>
               <a:buChar char="•"/>
             </a:pPr>
-            <a:r>
-              <a:rPr lang="en-US" sz="1600" dirty="0">
-                <a:solidFill>
-                  <a:srgbClr val="024761"/>
-                </a:solidFill>
-                <a:latin typeface="Avenir Book"/>
-                <a:cs typeface="Avenir Book"/>
-              </a:rPr>
-              <a:t>RESOURCE MANAGER: F</a:t>
-            </a:r>
-            <a:r>
-              <a:rPr lang="en-US" sz="1600" dirty="0" smtClean="0">
-                <a:solidFill>
-                  <a:srgbClr val="024761"/>
-                </a:solidFill>
-                <a:latin typeface="Avenir Book"/>
-                <a:cs typeface="Avenir Book"/>
-              </a:rPr>
-              <a:t>lights, cars, rooms and reservations</a:t>
-            </a:r>
+            <a:endParaRPr lang="en-US" sz="1600" dirty="0" smtClean="0">
+              <a:solidFill>
+                <a:srgbClr val="024761"/>
+              </a:solidFill>
+              <a:latin typeface="Avenir Book"/>
+              <a:cs typeface="Avenir Book"/>
+            </a:endParaRPr>
+          </a:p>
+          <a:p>
+            <a:pPr marL="285750" indent="-285750">
+              <a:lnSpc>
+                <a:spcPct val="150000"/>
+              </a:lnSpc>
+              <a:buFont typeface="Arial"/>
+              <a:buChar char="•"/>
+            </a:pPr>
             <a:endParaRPr lang="en-US" sz="1600" dirty="0">
               <a:solidFill>
                 <a:srgbClr val="024761"/>
@@ -9215,12 +9133,58 @@
               <a:cs typeface="Avenir Book"/>
             </a:endParaRPr>
           </a:p>
-        </p:txBody>
-      </p:sp>
+          <a:p>
+            <a:pPr marL="285750" indent="-285750">
+              <a:lnSpc>
+                <a:spcPct val="150000"/>
+              </a:lnSpc>
+              <a:buFont typeface="Arial"/>
+              <a:buChar char="•"/>
+            </a:pPr>
+            <a:endParaRPr lang="en-US" sz="1600" dirty="0" smtClean="0">
+              <a:solidFill>
+                <a:srgbClr val="024761"/>
+              </a:solidFill>
+              <a:latin typeface="Avenir Book"/>
+              <a:cs typeface="Avenir Book"/>
+            </a:endParaRPr>
+          </a:p>
+        </p:txBody>
+      </p:sp>
+      <p:pic>
+        <p:nvPicPr>
+          <p:cNvPr id="4" name="Picture 3"/>
+          <p:cNvPicPr>
+            <a:picLocks noChangeAspect="1"/>
+          </p:cNvPicPr>
+          <p:nvPr/>
+        </p:nvPicPr>
+        <p:blipFill>
+          <a:blip r:embed="rId2">
+            <a:extLst>
+              <a:ext uri="{28A0092B-C50C-407E-A947-70E740481C1C}">
+                <a14:useLocalDpi xmlns:a14="http://schemas.microsoft.com/office/drawing/2010/main" val="0"/>
+              </a:ext>
+            </a:extLst>
+          </a:blip>
+          <a:stretch>
+            <a:fillRect/>
+          </a:stretch>
+        </p:blipFill>
+        <p:spPr>
+          <a:xfrm>
+            <a:off x="453556" y="2487946"/>
+            <a:ext cx="8434325" cy="4377308"/>
+          </a:xfrm>
+          <a:prstGeom prst="rect">
+            <a:avLst/>
+          </a:prstGeom>
+        </p:spPr>
+      </p:pic>
     </p:spTree>
     <p:extLst>
       <p:ext uri="{BB962C8B-B14F-4D97-AF65-F5344CB8AC3E}">
-        <p14:creationId xmlns:p14="http://schemas.microsoft.com/office/powerpoint/2010/main" val="583730403"/>
+        <p14:creationId xmlns:p14="http://schemas.microsoft.com/office/powerpoint/2010/main" val="566458225"/>
       </p:ext>
     </p:extLst>
   </p:cSld>
@@ -9437,7 +9401,7 @@
           <a:p>
             <a:r>
               <a:rPr lang="en-US" dirty="0" smtClean="0"/>
-              <a:t>Data recovery – MW &amp; RM</a:t>
+              <a:t>shadowing</a:t>
             </a:r>
             <a:endParaRPr lang="en-US" dirty="0"/>
           </a:p>
@@ -9445,29 +9409,21 @@
       </p:sp>
       <p:sp>
         <p:nvSpPr>
-          <p:cNvPr id="5" name="TextBox 4"/>
-          <p:cNvSpPr txBox="1"/>
+          <p:cNvPr id="4" name="Rectangle 3"/>
+          <p:cNvSpPr/>
           <p:nvPr/>
         </p:nvSpPr>
         <p:spPr>
           <a:xfrm>
-            <a:off x="453557" y="1329767"/>
-            <a:ext cx="8436128" cy="1938992"/>
+            <a:off x="590309" y="1113304"/>
+            <a:ext cx="8079129" cy="1938992"/>
           </a:xfrm>
           <a:prstGeom prst="rect">
             <a:avLst/>
           </a:prstGeom>
-          <a:solidFill>
-            <a:srgbClr val="FFCC00"/>
-          </a:solidFill>
-          <a:ln>
-            <a:solidFill>
-              <a:schemeClr val="tx2"/>
-            </a:solidFill>
-          </a:ln>
-        </p:spPr>
-        <p:txBody>
-          <a:bodyPr wrap="square" rtlCol="0">
+        </p:spPr>
+        <p:txBody>
+          <a:bodyPr wrap="square">
             <a:spAutoFit/>
           </a:bodyPr>
           <a:lstStyle/>
@@ -9487,27 +9443,7 @@
                 <a:latin typeface="Avenir Book"/>
                 <a:cs typeface="Avenir Book"/>
               </a:rPr>
-              <a:t>Save at strategic points in time to backup files (Within </a:t>
-            </a:r>
-            <a:r>
-              <a:rPr lang="en-US" sz="1600" i="1" dirty="0" smtClean="0">
-                <a:solidFill>
-                  <a:srgbClr val="024761"/>
-                </a:solidFill>
-                <a:latin typeface="Avenir Book"/>
-                <a:cs typeface="Avenir Book"/>
-              </a:rPr>
-              <a:t>Storage</a:t>
-            </a:r>
-            <a:r>
-              <a:rPr lang="en-US" sz="1600" dirty="0" smtClean="0">
-                <a:solidFill>
-                  <a:srgbClr val="024761"/>
-                </a:solidFill>
-                <a:latin typeface="Avenir Book"/>
-                <a:cs typeface="Avenir Book"/>
-              </a:rPr>
-              <a:t> class)</a:t>
+              <a:t>Every RM has 2 versions of it’s files and a pointer file to determine current master.</a:t>
             </a:r>
           </a:p>
           <a:p>
@@ -9526,7 +9462,45 @@
                 <a:latin typeface="Avenir Book"/>
                 <a:cs typeface="Avenir Book"/>
               </a:rPr>
-              <a:t>Upon startup of server (MW or RM) check for existing backup file</a:t>
+              <a:t>On save:</a:t>
+            </a:r>
+          </a:p>
+          <a:p>
+            <a:pPr marL="742950" lvl="1" indent="-285750">
+              <a:lnSpc>
+                <a:spcPct val="150000"/>
+              </a:lnSpc>
+              <a:buFont typeface="Arial"/>
+              <a:buChar char="•"/>
+            </a:pPr>
+            <a:r>
+              <a:rPr lang="en-US" sz="1600" dirty="0" smtClean="0">
+                <a:solidFill>
+                  <a:srgbClr val="024761"/>
+                </a:solidFill>
+                <a:latin typeface="Avenir Book"/>
+                <a:cs typeface="Avenir Book"/>
+              </a:rPr>
+              <a:t>Try to save to the  file not pointed to.</a:t>
+            </a:r>
+          </a:p>
+          <a:p>
+            <a:pPr marL="742950" lvl="1" indent="-285750">
+              <a:lnSpc>
+                <a:spcPct val="150000"/>
+              </a:lnSpc>
+              <a:buFont typeface="Arial"/>
+              <a:buChar char="•"/>
+            </a:pPr>
+            <a:r>
+              <a:rPr lang="en-US" sz="1600" dirty="0" smtClean="0">
+                <a:solidFill>
+                  <a:srgbClr val="024761"/>
+                </a:solidFill>
+                <a:latin typeface="Avenir Book"/>
+                <a:cs typeface="Avenir Book"/>
+              </a:rPr>
+              <a:t>Once the file was written, we update the pointer file.</a:t>
             </a:r>
           </a:p>
           <a:p>
@@ -9545,64 +9519,26 @@
               <a:cs typeface="Avenir Book"/>
             </a:endParaRPr>
           </a:p>
-          <a:p>
-            <a:pPr marL="285750" indent="-285750">
-              <a:lnSpc>
-                <a:spcPct val="150000"/>
-              </a:lnSpc>
-              <a:buFont typeface="Arial"/>
-              <a:buChar char="•"/>
-            </a:pPr>
-            <a:endParaRPr lang="en-US" sz="1600" dirty="0">
-              <a:solidFill>
-                <a:srgbClr val="024761"/>
-              </a:solidFill>
-              <a:latin typeface="Avenir Book"/>
-              <a:cs typeface="Avenir Book"/>
-            </a:endParaRPr>
-          </a:p>
-          <a:p>
-            <a:pPr marL="285750" indent="-285750">
-              <a:lnSpc>
-                <a:spcPct val="150000"/>
-              </a:lnSpc>
-              <a:buFont typeface="Arial"/>
-              <a:buChar char="•"/>
-            </a:pPr>
-            <a:endParaRPr lang="en-US" sz="1600" dirty="0" smtClean="0">
-              <a:solidFill>
-                <a:srgbClr val="024761"/>
-              </a:solidFill>
-              <a:latin typeface="Avenir Book"/>
-              <a:cs typeface="Avenir Book"/>
-            </a:endParaRPr>
-          </a:p>
         </p:txBody>
       </p:sp>
       <p:pic>
         <p:nvPicPr>
-          <p:cNvPr id="3" name="Picture 2" descr="Screen Shot 2015-11-30 at 8.25.57 PM.png"/>
+          <p:cNvPr id="7" name="Picture 6"/>
           <p:cNvPicPr>
             <a:picLocks noChangeAspect="1"/>
           </p:cNvPicPr>
           <p:nvPr/>
         </p:nvPicPr>
         <p:blipFill>
-          <a:blip r:embed="rId2">
-            <a:extLst>
-              <a:ext uri="{28A0092B-C50C-407E-A947-70E740481C1C}">
-                <a14:useLocalDpi xmlns:a14="http://schemas.microsoft.com/office/drawing/2010/main" val="0"/>
-              </a:ext>
-            </a:extLst>
-          </a:blip>
+          <a:blip r:embed="rId2"/>
           <a:stretch>
             <a:fillRect/>
           </a:stretch>
         </p:blipFill>
         <p:spPr>
           <a:xfrm>
-            <a:off x="453556" y="2941457"/>
-            <a:ext cx="8436129" cy="3916543"/>
+            <a:off x="1365973" y="3052296"/>
+            <a:ext cx="6527800" cy="3644900"/>
           </a:xfrm>
           <a:prstGeom prst="rect">
             <a:avLst/>
@@ -9656,197 +9592,6 @@
           <a:p>
             <a:r>
               <a:rPr lang="en-US" dirty="0" smtClean="0"/>
-              <a:t>shadowing</a:t>
-            </a:r>
-            <a:endParaRPr lang="en-US" dirty="0"/>
-          </a:p>
-        </p:txBody>
-      </p:sp>
-      <p:sp>
-        <p:nvSpPr>
-          <p:cNvPr id="4" name="Rectangle 3"/>
-          <p:cNvSpPr/>
-          <p:nvPr/>
-        </p:nvSpPr>
-        <p:spPr>
-          <a:xfrm>
-            <a:off x="590309" y="1113304"/>
-            <a:ext cx="8079129" cy="1938992"/>
-          </a:xfrm>
-          <a:prstGeom prst="rect">
-            <a:avLst/>
-          </a:prstGeom>
-        </p:spPr>
-        <p:txBody>
-          <a:bodyPr wrap="square">
-            <a:spAutoFit/>
-          </a:bodyPr>
-          <a:lstStyle/>
-          <a:p>
-            <a:pPr marL="285750" indent="-285750">
-              <a:lnSpc>
-                <a:spcPct val="150000"/>
-              </a:lnSpc>
-              <a:buFont typeface="Arial"/>
-              <a:buChar char="•"/>
-            </a:pPr>
-            <a:r>
-              <a:rPr lang="en-US" sz="1600" dirty="0" smtClean="0">
-                <a:solidFill>
-                  <a:srgbClr val="024761"/>
-                </a:solidFill>
-                <a:latin typeface="Avenir Book"/>
-                <a:cs typeface="Avenir Book"/>
-              </a:rPr>
-              <a:t>Every RM has 2 versions of it’s files and a pointer file to determine current master.</a:t>
-            </a:r>
-          </a:p>
-          <a:p>
-            <a:pPr marL="285750" indent="-285750">
-              <a:lnSpc>
-                <a:spcPct val="150000"/>
-              </a:lnSpc>
-              <a:buFont typeface="Arial"/>
-              <a:buChar char="•"/>
-            </a:pPr>
-            <a:r>
-              <a:rPr lang="en-US" sz="1600" dirty="0" smtClean="0">
-                <a:solidFill>
-                  <a:srgbClr val="024761"/>
-                </a:solidFill>
-                <a:latin typeface="Avenir Book"/>
-                <a:cs typeface="Avenir Book"/>
-              </a:rPr>
-              <a:t>On save:</a:t>
-            </a:r>
-          </a:p>
-          <a:p>
-            <a:pPr marL="742950" lvl="1" indent="-285750">
-              <a:lnSpc>
-                <a:spcPct val="150000"/>
-              </a:lnSpc>
-              <a:buFont typeface="Arial"/>
-              <a:buChar char="•"/>
-            </a:pPr>
-            <a:r>
-              <a:rPr lang="en-US" sz="1600" dirty="0" smtClean="0">
-                <a:solidFill>
-                  <a:srgbClr val="024761"/>
-                </a:solidFill>
-                <a:latin typeface="Avenir Book"/>
-                <a:cs typeface="Avenir Book"/>
-              </a:rPr>
-              <a:t>Try to save to the  file not pointed to.</a:t>
-            </a:r>
-          </a:p>
-          <a:p>
-            <a:pPr marL="742950" lvl="1" indent="-285750">
-              <a:lnSpc>
-                <a:spcPct val="150000"/>
-              </a:lnSpc>
-              <a:buFont typeface="Arial"/>
-              <a:buChar char="•"/>
-            </a:pPr>
-            <a:r>
-              <a:rPr lang="en-US" sz="1600" dirty="0" smtClean="0">
-                <a:solidFill>
-                  <a:srgbClr val="024761"/>
-                </a:solidFill>
-                <a:latin typeface="Avenir Book"/>
-                <a:cs typeface="Avenir Book"/>
-              </a:rPr>
-              <a:t>Once the file was written, we update the pointer file.</a:t>
-            </a:r>
-          </a:p>
-          <a:p>
-            <a:pPr marL="285750" indent="-285750">
-              <a:lnSpc>
-                <a:spcPct val="150000"/>
-              </a:lnSpc>
-              <a:buFont typeface="Arial"/>
-              <a:buChar char="•"/>
-            </a:pPr>
-            <a:endParaRPr lang="en-US" sz="1600" dirty="0" smtClean="0">
-              <a:solidFill>
-                <a:srgbClr val="024761"/>
-              </a:solidFill>
-              <a:latin typeface="Avenir Book"/>
-              <a:cs typeface="Avenir Book"/>
-            </a:endParaRPr>
-          </a:p>
-        </p:txBody>
-      </p:sp>
-      <p:pic>
-        <p:nvPicPr>
-          <p:cNvPr id="7" name="Picture 6"/>
-          <p:cNvPicPr>
-            <a:picLocks noChangeAspect="1"/>
-          </p:cNvPicPr>
-          <p:nvPr/>
-        </p:nvPicPr>
-        <p:blipFill>
-          <a:blip r:embed="rId2"/>
-          <a:stretch>
-            <a:fillRect/>
-          </a:stretch>
-        </p:blipFill>
-        <p:spPr>
-          <a:xfrm>
-            <a:off x="1365973" y="3052296"/>
-            <a:ext cx="6527800" cy="3644900"/>
-          </a:xfrm>
-          <a:prstGeom prst="rect">
-            <a:avLst/>
-          </a:prstGeom>
-        </p:spPr>
-      </p:pic>
-    </p:spTree>
-    <p:extLst>
-      <p:ext uri="{BB962C8B-B14F-4D97-AF65-F5344CB8AC3E}">
-        <p14:creationId xmlns:p14="http://schemas.microsoft.com/office/powerpoint/2010/main" val="566458225"/>
-      </p:ext>
-    </p:extLst>
-  </p:cSld>
-  <p:clrMapOvr>
-    <a:masterClrMapping/>
-  </p:clrMapOvr>
-</p:sld>
-</file>
-
-<file path=ppt/slides/slide22.xml><?xml version="1.0" encoding="utf-8"?>
-<p:sld xmlns:a="http://schemas.openxmlformats.org/drawingml/2006/main" xmlns:r="http://schemas.openxmlformats.org/officeDocument/2006/relationships" xmlns:p="http://schemas.openxmlformats.org/presentationml/2006/main">
-  <p:cSld>
-    <p:spTree>
-      <p:nvGrpSpPr>
-        <p:cNvPr id="1" name=""/>
-        <p:cNvGrpSpPr/>
-        <p:nvPr/>
-      </p:nvGrpSpPr>
-      <p:grpSpPr>
-        <a:xfrm>
-          <a:off x="0" y="0"/>
-          <a:ext cx="0" cy="0"/>
-          <a:chOff x="0" y="0"/>
-          <a:chExt cx="0" cy="0"/>
-        </a:xfrm>
-      </p:grpSpPr>
-      <p:sp>
-        <p:nvSpPr>
-          <p:cNvPr id="2" name="Title 1"/>
-          <p:cNvSpPr>
-            <a:spLocks noGrp="1"/>
-          </p:cNvSpPr>
-          <p:nvPr>
-            <p:ph type="title"/>
-          </p:nvPr>
-        </p:nvSpPr>
-        <p:spPr/>
-        <p:txBody>
-          <a:bodyPr/>
-          <a:lstStyle/>
-          <a:p>
-            <a:r>
-              <a:rPr lang="en-US" dirty="0" smtClean="0"/>
               <a:t>SITE FAILURES SIMULATION</a:t>
             </a:r>
             <a:endParaRPr lang="en-US" dirty="0"/>
@@ -10103,7 +9848,7 @@
 </p:sld>
 </file>
 
-<file path=ppt/slides/slide23.xml><?xml version="1.0" encoding="utf-8"?>
+<file path=ppt/slides/slide22.xml><?xml version="1.0" encoding="utf-8"?>
 <p:sld xmlns:a="http://schemas.openxmlformats.org/drawingml/2006/main" xmlns:r="http://schemas.openxmlformats.org/officeDocument/2006/relationships" xmlns:p="http://schemas.openxmlformats.org/presentationml/2006/main" showMasterSp="0">
   <p:cSld>
     <p:bg>
@@ -10397,7 +10142,17 @@
                 <a:latin typeface="Avenir Book"/>
                 <a:cs typeface="Avenir Book"/>
               </a:rPr>
-              <a:t>After vote request: recover, wait for decision from middleware</a:t>
+              <a:t>After vote request: recover, </a:t>
+            </a:r>
+            <a:r>
+              <a:rPr lang="en-US" sz="1600" b="1" i="1" u="sng" dirty="0" smtClean="0">
+                <a:solidFill>
+                  <a:srgbClr val="024761"/>
+                </a:solidFill>
+                <a:latin typeface="Avenir Book"/>
+                <a:cs typeface="Avenir Book"/>
+              </a:rPr>
+              <a:t>wait for decision from middleware</a:t>
             </a:r>
           </a:p>
           <a:p>
@@ -10425,6 +10180,331 @@
     <p:extLst>
       <p:ext uri="{BB962C8B-B14F-4D97-AF65-F5344CB8AC3E}">
         <p14:creationId xmlns:p14="http://schemas.microsoft.com/office/powerpoint/2010/main" val="566458225"/>
+      </p:ext>
+    </p:extLst>
+  </p:cSld>
+  <p:clrMapOvr>
+    <a:masterClrMapping/>
+  </p:clrMapOvr>
+</p:sld>
+</file>
+
+<file path=ppt/slides/slide23.xml><?xml version="1.0" encoding="utf-8"?>
+<p:sld xmlns:a="http://schemas.openxmlformats.org/drawingml/2006/main" xmlns:r="http://schemas.openxmlformats.org/officeDocument/2006/relationships" xmlns:p="http://schemas.openxmlformats.org/presentationml/2006/main">
+  <p:cSld>
+    <p:spTree>
+      <p:nvGrpSpPr>
+        <p:cNvPr id="1" name=""/>
+        <p:cNvGrpSpPr/>
+        <p:nvPr/>
+      </p:nvGrpSpPr>
+      <p:grpSpPr>
+        <a:xfrm>
+          <a:off x="0" y="0"/>
+          <a:ext cx="0" cy="0"/>
+          <a:chOff x="0" y="0"/>
+          <a:chExt cx="0" cy="0"/>
+        </a:xfrm>
+      </p:grpSpPr>
+      <p:sp>
+        <p:nvSpPr>
+          <p:cNvPr id="2" name="Title 1"/>
+          <p:cNvSpPr>
+            <a:spLocks noGrp="1"/>
+          </p:cNvSpPr>
+          <p:nvPr>
+            <p:ph type="title"/>
+          </p:nvPr>
+        </p:nvSpPr>
+        <p:spPr/>
+        <p:txBody>
+          <a:bodyPr/>
+          <a:lstStyle/>
+          <a:p>
+            <a:r>
+              <a:rPr lang="en-US" dirty="0" smtClean="0"/>
+              <a:t>Handling Site failures</a:t>
+            </a:r>
+            <a:endParaRPr lang="en-US" dirty="0"/>
+          </a:p>
+        </p:txBody>
+      </p:sp>
+      <p:sp>
+        <p:nvSpPr>
+          <p:cNvPr id="3" name="Rectangle 2"/>
+          <p:cNvSpPr/>
+          <p:nvPr/>
+        </p:nvSpPr>
+        <p:spPr>
+          <a:xfrm>
+            <a:off x="590309" y="1113304"/>
+            <a:ext cx="8079129" cy="3416320"/>
+          </a:xfrm>
+          <a:prstGeom prst="rect">
+            <a:avLst/>
+          </a:prstGeom>
+        </p:spPr>
+        <p:txBody>
+          <a:bodyPr wrap="square">
+            <a:spAutoFit/>
+          </a:bodyPr>
+          <a:lstStyle/>
+          <a:p>
+            <a:pPr marL="285750" indent="-285750">
+              <a:lnSpc>
+                <a:spcPct val="150000"/>
+              </a:lnSpc>
+              <a:buFont typeface="Arial"/>
+              <a:buChar char="•"/>
+            </a:pPr>
+            <a:r>
+              <a:rPr lang="en-US" sz="1600" dirty="0" smtClean="0">
+                <a:solidFill>
+                  <a:srgbClr val="024761"/>
+                </a:solidFill>
+                <a:latin typeface="Avenir Book"/>
+                <a:cs typeface="Avenir Book"/>
+              </a:rPr>
+              <a:t>Two ways of catching site failures: exceptions and failures</a:t>
+            </a:r>
+          </a:p>
+          <a:p>
+            <a:pPr marL="285750" indent="-285750">
+              <a:lnSpc>
+                <a:spcPct val="150000"/>
+              </a:lnSpc>
+              <a:buFont typeface="Arial"/>
+              <a:buChar char="•"/>
+            </a:pPr>
+            <a:r>
+              <a:rPr lang="en-US" sz="1600" dirty="0" smtClean="0">
+                <a:solidFill>
+                  <a:srgbClr val="024761"/>
+                </a:solidFill>
+                <a:latin typeface="Avenir Book"/>
+                <a:cs typeface="Avenir Book"/>
+              </a:rPr>
+              <a:t>In the </a:t>
+            </a:r>
+            <a:r>
+              <a:rPr lang="en-US" sz="1600" b="1" dirty="0" smtClean="0">
+                <a:solidFill>
+                  <a:srgbClr val="024761"/>
+                </a:solidFill>
+                <a:latin typeface="Avenir Book"/>
+                <a:cs typeface="Avenir Book"/>
+              </a:rPr>
+              <a:t>middleware</a:t>
+            </a:r>
+          </a:p>
+          <a:p>
+            <a:pPr marL="742950" lvl="1" indent="-285750">
+              <a:lnSpc>
+                <a:spcPct val="150000"/>
+              </a:lnSpc>
+              <a:buFont typeface="Arial"/>
+              <a:buChar char="•"/>
+            </a:pPr>
+            <a:r>
+              <a:rPr lang="en-US" sz="1600" dirty="0" smtClean="0">
+                <a:solidFill>
+                  <a:srgbClr val="024761"/>
+                </a:solidFill>
+                <a:latin typeface="Avenir Book"/>
+                <a:cs typeface="Avenir Book"/>
+              </a:rPr>
+              <a:t>Waiting for vote requests: </a:t>
+            </a:r>
+            <a:r>
+              <a:rPr lang="en-US" sz="1600" b="1" dirty="0" err="1" smtClean="0">
+                <a:solidFill>
+                  <a:srgbClr val="024761"/>
+                </a:solidFill>
+                <a:latin typeface="Avenir Book"/>
+                <a:cs typeface="Avenir Book"/>
+              </a:rPr>
+              <a:t>TransactionAbortedException</a:t>
+            </a:r>
+            <a:r>
+              <a:rPr lang="en-US" sz="1600" dirty="0" smtClean="0">
+                <a:solidFill>
+                  <a:srgbClr val="024761"/>
+                </a:solidFill>
+                <a:latin typeface="Avenir Book"/>
+                <a:cs typeface="Avenir Book"/>
+              </a:rPr>
+              <a:t>, </a:t>
+            </a:r>
+            <a:r>
+              <a:rPr lang="en-US" sz="1600" b="1" dirty="0" err="1" smtClean="0">
+                <a:solidFill>
+                  <a:srgbClr val="024761"/>
+                </a:solidFill>
+                <a:latin typeface="Avenir Book"/>
+                <a:cs typeface="Avenir Book"/>
+              </a:rPr>
+              <a:t>InvalidTransactionException</a:t>
+            </a:r>
+            <a:r>
+              <a:rPr lang="en-US" sz="1600" dirty="0" smtClean="0">
+                <a:solidFill>
+                  <a:srgbClr val="024761"/>
+                </a:solidFill>
+                <a:latin typeface="Avenir Book"/>
+                <a:cs typeface="Avenir Book"/>
+              </a:rPr>
+              <a:t>, timeout – abort transaction</a:t>
+            </a:r>
+          </a:p>
+          <a:p>
+            <a:pPr marL="742950" lvl="1" indent="-285750">
+              <a:lnSpc>
+                <a:spcPct val="150000"/>
+              </a:lnSpc>
+              <a:buFont typeface="Arial"/>
+              <a:buChar char="•"/>
+            </a:pPr>
+            <a:r>
+              <a:rPr lang="en-US" sz="1600" dirty="0" smtClean="0">
+                <a:solidFill>
+                  <a:srgbClr val="024761"/>
+                </a:solidFill>
+                <a:latin typeface="Avenir Book"/>
+                <a:cs typeface="Avenir Book"/>
+              </a:rPr>
+              <a:t>Decision sending: timeout (</a:t>
+            </a:r>
+            <a:r>
+              <a:rPr lang="en-US" sz="1600" dirty="0" smtClean="0">
+                <a:solidFill>
+                  <a:srgbClr val="024761"/>
+                </a:solidFill>
+                <a:latin typeface="Avenir Book"/>
+                <a:cs typeface="Avenir Book"/>
+                <a:sym typeface="Wingdings"/>
+              </a:rPr>
+              <a:t> try resend) – abort transaction</a:t>
+            </a:r>
+            <a:endParaRPr lang="en-US" sz="1600" dirty="0" smtClean="0">
+              <a:solidFill>
+                <a:srgbClr val="024761"/>
+              </a:solidFill>
+              <a:latin typeface="Avenir Book"/>
+              <a:cs typeface="Avenir Book"/>
+            </a:endParaRPr>
+          </a:p>
+          <a:p>
+            <a:pPr marL="342900" indent="-342900">
+              <a:lnSpc>
+                <a:spcPct val="150000"/>
+              </a:lnSpc>
+              <a:buFont typeface="Arial" charset="0"/>
+              <a:buChar char="•"/>
+            </a:pPr>
+            <a:r>
+              <a:rPr lang="en-US" sz="1600" dirty="0" smtClean="0">
+                <a:solidFill>
+                  <a:srgbClr val="024761"/>
+                </a:solidFill>
+                <a:latin typeface="Avenir Book"/>
+                <a:cs typeface="Avenir Book"/>
+              </a:rPr>
+              <a:t>In the </a:t>
+            </a:r>
+            <a:r>
+              <a:rPr lang="en-US" sz="1600" b="1" dirty="0" smtClean="0">
+                <a:solidFill>
+                  <a:srgbClr val="024761"/>
+                </a:solidFill>
+                <a:latin typeface="Avenir Book"/>
+                <a:cs typeface="Avenir Book"/>
+              </a:rPr>
+              <a:t>resource managers</a:t>
+            </a:r>
+          </a:p>
+          <a:p>
+            <a:pPr marL="800100" lvl="1" indent="-342900">
+              <a:lnSpc>
+                <a:spcPct val="150000"/>
+              </a:lnSpc>
+              <a:buFont typeface="Arial" charset="0"/>
+              <a:buChar char="•"/>
+            </a:pPr>
+            <a:r>
+              <a:rPr lang="en-US" sz="1600" dirty="0" smtClean="0">
+                <a:solidFill>
+                  <a:srgbClr val="024761"/>
+                </a:solidFill>
+                <a:latin typeface="Avenir Book"/>
+                <a:cs typeface="Avenir Book"/>
+              </a:rPr>
+              <a:t>Waiting for vote request: abort after timeout</a:t>
+            </a:r>
+          </a:p>
+          <a:p>
+            <a:pPr marL="800100" lvl="1" indent="-342900">
+              <a:lnSpc>
+                <a:spcPct val="150000"/>
+              </a:lnSpc>
+              <a:buFont typeface="Arial" charset="0"/>
+              <a:buChar char="•"/>
+            </a:pPr>
+            <a:r>
+              <a:rPr lang="en-US" sz="1600" dirty="0" smtClean="0">
+                <a:solidFill>
+                  <a:srgbClr val="024761"/>
+                </a:solidFill>
+                <a:latin typeface="Avenir Book"/>
+                <a:cs typeface="Avenir Book"/>
+              </a:rPr>
+              <a:t>Waiting for decision: </a:t>
+            </a:r>
+            <a:r>
+              <a:rPr lang="en-US" sz="1600" i="1" dirty="0" smtClean="0">
+                <a:solidFill>
+                  <a:srgbClr val="024761"/>
+                </a:solidFill>
+                <a:latin typeface="Avenir Book"/>
+                <a:cs typeface="Avenir Book"/>
+              </a:rPr>
+              <a:t>wait</a:t>
+            </a:r>
+            <a:r>
+              <a:rPr lang="en-US" sz="1600" dirty="0" smtClean="0">
+                <a:solidFill>
+                  <a:srgbClr val="024761"/>
+                </a:solidFill>
+                <a:latin typeface="Avenir Book"/>
+                <a:cs typeface="Avenir Book"/>
+              </a:rPr>
+              <a:t> in uncertain state</a:t>
+            </a:r>
+          </a:p>
+          <a:p>
+            <a:pPr marL="800100" lvl="1" indent="-342900">
+              <a:lnSpc>
+                <a:spcPct val="150000"/>
+              </a:lnSpc>
+              <a:buFont typeface="Arial" charset="0"/>
+              <a:buChar char="•"/>
+            </a:pPr>
+            <a:r>
+              <a:rPr lang="en-US" sz="1600" dirty="0" smtClean="0">
+                <a:solidFill>
+                  <a:srgbClr val="024761"/>
+                </a:solidFill>
+                <a:latin typeface="Avenir Book"/>
+                <a:cs typeface="Avenir Book"/>
+              </a:rPr>
+              <a:t>Has aborted, receives vote request: ignores it</a:t>
+            </a:r>
+          </a:p>
+        </p:txBody>
+      </p:sp>
+    </p:spTree>
+    <p:extLst>
+      <p:ext uri="{BB962C8B-B14F-4D97-AF65-F5344CB8AC3E}">
+        <p14:creationId xmlns:p14="http://schemas.microsoft.com/office/powerpoint/2010/main" val="1997881920"/>
       </p:ext>
     </p:extLst>
   </p:cSld>
@@ -10453,303 +10533,74 @@
       </p:grpSpPr>
       <p:sp>
         <p:nvSpPr>
-          <p:cNvPr id="2" name="Title 1"/>
-          <p:cNvSpPr>
-            <a:spLocks noGrp="1"/>
-          </p:cNvSpPr>
-          <p:nvPr>
-            <p:ph type="title"/>
-          </p:nvPr>
-        </p:nvSpPr>
-        <p:spPr/>
-        <p:txBody>
-          <a:bodyPr/>
-          <a:lstStyle/>
-          <a:p>
-            <a:r>
-              <a:rPr lang="en-US" dirty="0" smtClean="0"/>
-              <a:t>Handling Site failures</a:t>
-            </a:r>
-            <a:endParaRPr lang="en-US" dirty="0"/>
-          </a:p>
-        </p:txBody>
-      </p:sp>
-      <p:sp>
-        <p:nvSpPr>
-          <p:cNvPr id="3" name="Rectangle 2"/>
-          <p:cNvSpPr/>
+          <p:cNvPr id="5" name="TextBox 4"/>
+          <p:cNvSpPr txBox="1"/>
           <p:nvPr/>
         </p:nvSpPr>
         <p:spPr>
           <a:xfrm>
-            <a:off x="590309" y="1113304"/>
-            <a:ext cx="8079129" cy="3416320"/>
+            <a:off x="635048" y="297219"/>
+            <a:ext cx="7713103" cy="461665"/>
           </a:xfrm>
           <a:prstGeom prst="rect">
             <a:avLst/>
           </a:prstGeom>
-        </p:spPr>
-        <p:txBody>
-          <a:bodyPr wrap="square">
+          <a:noFill/>
+        </p:spPr>
+        <p:txBody>
+          <a:bodyPr wrap="none" rtlCol="0">
             <a:spAutoFit/>
           </a:bodyPr>
           <a:lstStyle/>
           <a:p>
-            <a:pPr marL="285750" indent="-285750">
-              <a:lnSpc>
-                <a:spcPct val="150000"/>
-              </a:lnSpc>
-              <a:buFont typeface="Arial"/>
-              <a:buChar char="•"/>
-            </a:pPr>
-            <a:r>
-              <a:rPr lang="en-US" sz="1600" dirty="0" smtClean="0">
-                <a:solidFill>
-                  <a:srgbClr val="024761"/>
-                </a:solidFill>
+            <a:r>
+              <a:rPr lang="en-US" sz="2400" b="1" dirty="0" smtClean="0">
                 <a:latin typeface="Avenir Book"/>
                 <a:cs typeface="Avenir Book"/>
               </a:rPr>
-              <a:t>Two ways of catching site failures: exceptions and failures</a:t>
-            </a:r>
-          </a:p>
-          <a:p>
-            <a:pPr marL="285750" indent="-285750">
-              <a:lnSpc>
-                <a:spcPct val="150000"/>
-              </a:lnSpc>
-              <a:buFont typeface="Arial"/>
-              <a:buChar char="•"/>
-            </a:pPr>
-            <a:r>
-              <a:rPr lang="en-US" sz="1600" dirty="0" smtClean="0">
-                <a:solidFill>
-                  <a:srgbClr val="024761"/>
-                </a:solidFill>
-                <a:latin typeface="Avenir Book"/>
-                <a:cs typeface="Avenir Book"/>
-              </a:rPr>
-              <a:t>In the </a:t>
-            </a:r>
-            <a:r>
-              <a:rPr lang="en-US" sz="1600" b="1" dirty="0" smtClean="0">
-                <a:solidFill>
-                  <a:srgbClr val="024761"/>
-                </a:solidFill>
-                <a:latin typeface="Avenir Book"/>
-                <a:cs typeface="Avenir Book"/>
-              </a:rPr>
-              <a:t>middleware</a:t>
-            </a:r>
-          </a:p>
-          <a:p>
-            <a:pPr marL="742950" lvl="1" indent="-285750">
-              <a:lnSpc>
-                <a:spcPct val="150000"/>
-              </a:lnSpc>
-              <a:buFont typeface="Arial"/>
-              <a:buChar char="•"/>
-            </a:pPr>
-            <a:r>
-              <a:rPr lang="en-US" sz="1600" dirty="0" smtClean="0">
-                <a:solidFill>
-                  <a:srgbClr val="024761"/>
-                </a:solidFill>
-                <a:latin typeface="Avenir Book"/>
-                <a:cs typeface="Avenir Book"/>
-              </a:rPr>
-              <a:t>Waiting for vote requests: </a:t>
-            </a:r>
-            <a:r>
-              <a:rPr lang="en-US" sz="1600" b="1" dirty="0" err="1" smtClean="0">
-                <a:solidFill>
-                  <a:srgbClr val="024761"/>
-                </a:solidFill>
-                <a:latin typeface="Avenir Book"/>
-                <a:cs typeface="Avenir Book"/>
-              </a:rPr>
-              <a:t>TransactionAbortedException</a:t>
-            </a:r>
-            <a:r>
-              <a:rPr lang="en-US" sz="1600" dirty="0" smtClean="0">
-                <a:solidFill>
-                  <a:srgbClr val="024761"/>
-                </a:solidFill>
-                <a:latin typeface="Avenir Book"/>
-                <a:cs typeface="Avenir Book"/>
-              </a:rPr>
-              <a:t>, </a:t>
-            </a:r>
-            <a:r>
-              <a:rPr lang="en-US" sz="1600" b="1" dirty="0" err="1" smtClean="0">
-                <a:solidFill>
-                  <a:srgbClr val="024761"/>
-                </a:solidFill>
-                <a:latin typeface="Avenir Book"/>
-                <a:cs typeface="Avenir Book"/>
-              </a:rPr>
-              <a:t>InvalidTransactionException</a:t>
-            </a:r>
-            <a:r>
-              <a:rPr lang="en-US" sz="1600" dirty="0" smtClean="0">
-                <a:solidFill>
-                  <a:srgbClr val="024761"/>
-                </a:solidFill>
-                <a:latin typeface="Avenir Book"/>
-                <a:cs typeface="Avenir Book"/>
-              </a:rPr>
-              <a:t>, timeout – abort transaction</a:t>
-            </a:r>
-          </a:p>
-          <a:p>
-            <a:pPr marL="742950" lvl="1" indent="-285750">
-              <a:lnSpc>
-                <a:spcPct val="150000"/>
-              </a:lnSpc>
-              <a:buFont typeface="Arial"/>
-              <a:buChar char="•"/>
-            </a:pPr>
-            <a:r>
-              <a:rPr lang="en-US" sz="1600" dirty="0" smtClean="0">
-                <a:solidFill>
-                  <a:srgbClr val="024761"/>
-                </a:solidFill>
-                <a:latin typeface="Avenir Book"/>
-                <a:cs typeface="Avenir Book"/>
-              </a:rPr>
-              <a:t>Decision sending: timeout (</a:t>
-            </a:r>
-            <a:r>
-              <a:rPr lang="en-US" sz="1600" dirty="0" smtClean="0">
-                <a:solidFill>
-                  <a:srgbClr val="024761"/>
-                </a:solidFill>
-                <a:latin typeface="Avenir Book"/>
-                <a:cs typeface="Avenir Book"/>
-                <a:sym typeface="Wingdings"/>
-              </a:rPr>
-              <a:t> try resend) – abort transaction</a:t>
-            </a:r>
-            <a:endParaRPr lang="en-US" sz="1600" dirty="0" smtClean="0">
-              <a:solidFill>
-                <a:srgbClr val="024761"/>
-              </a:solidFill>
+              <a:t>Response Time by Number of Transactions per Second</a:t>
+            </a:r>
+            <a:endParaRPr lang="en-US" sz="2400" b="1" dirty="0">
               <a:latin typeface="Avenir Book"/>
               <a:cs typeface="Avenir Book"/>
             </a:endParaRPr>
           </a:p>
-          <a:p>
-            <a:pPr marL="342900" indent="-342900">
-              <a:lnSpc>
-                <a:spcPct val="150000"/>
-              </a:lnSpc>
-              <a:buFont typeface="Arial" charset="0"/>
-              <a:buChar char="•"/>
-            </a:pPr>
-            <a:r>
-              <a:rPr lang="en-US" sz="1600" dirty="0" smtClean="0">
-                <a:solidFill>
-                  <a:srgbClr val="024761"/>
-                </a:solidFill>
-                <a:latin typeface="Avenir Book"/>
-                <a:cs typeface="Avenir Book"/>
-              </a:rPr>
-              <a:t>In the </a:t>
-            </a:r>
-            <a:r>
-              <a:rPr lang="en-US" sz="1600" b="1" dirty="0" smtClean="0">
-                <a:solidFill>
-                  <a:srgbClr val="024761"/>
-                </a:solidFill>
-                <a:latin typeface="Avenir Book"/>
-                <a:cs typeface="Avenir Book"/>
-              </a:rPr>
-              <a:t>resource managers</a:t>
-            </a:r>
-          </a:p>
-          <a:p>
-            <a:pPr marL="800100" lvl="1" indent="-342900">
-              <a:lnSpc>
-                <a:spcPct val="150000"/>
-              </a:lnSpc>
-              <a:buFont typeface="Arial" charset="0"/>
-              <a:buChar char="•"/>
-            </a:pPr>
-            <a:r>
-              <a:rPr lang="en-US" sz="1600" dirty="0" smtClean="0">
-                <a:solidFill>
-                  <a:srgbClr val="024761"/>
-                </a:solidFill>
-                <a:latin typeface="Avenir Book"/>
-                <a:cs typeface="Avenir Book"/>
-              </a:rPr>
-              <a:t>Waiting for vote request: abort after timeout</a:t>
-            </a:r>
-          </a:p>
-          <a:p>
-            <a:pPr marL="800100" lvl="1" indent="-342900">
-              <a:lnSpc>
-                <a:spcPct val="150000"/>
-              </a:lnSpc>
-              <a:buFont typeface="Arial" charset="0"/>
-              <a:buChar char="•"/>
-            </a:pPr>
-            <a:r>
-              <a:rPr lang="en-US" sz="1600" dirty="0" smtClean="0">
-                <a:solidFill>
-                  <a:srgbClr val="024761"/>
-                </a:solidFill>
-                <a:latin typeface="Avenir Book"/>
-                <a:cs typeface="Avenir Book"/>
-              </a:rPr>
-              <a:t>Waiting for decision: </a:t>
-            </a:r>
-            <a:r>
-              <a:rPr lang="en-US" sz="1600" i="1" dirty="0" smtClean="0">
-                <a:solidFill>
-                  <a:srgbClr val="024761"/>
-                </a:solidFill>
-                <a:latin typeface="Avenir Book"/>
-                <a:cs typeface="Avenir Book"/>
-              </a:rPr>
-              <a:t>wait</a:t>
-            </a:r>
-            <a:r>
-              <a:rPr lang="en-US" sz="1600" dirty="0" smtClean="0">
-                <a:solidFill>
-                  <a:srgbClr val="024761"/>
-                </a:solidFill>
-                <a:latin typeface="Avenir Book"/>
-                <a:cs typeface="Avenir Book"/>
-              </a:rPr>
-              <a:t> in uncertain state</a:t>
-            </a:r>
-          </a:p>
-          <a:p>
-            <a:pPr marL="800100" lvl="1" indent="-342900">
-              <a:lnSpc>
-                <a:spcPct val="150000"/>
-              </a:lnSpc>
-              <a:buFont typeface="Arial" charset="0"/>
-              <a:buChar char="•"/>
-            </a:pPr>
-            <a:r>
-              <a:rPr lang="en-US" sz="1600" dirty="0" smtClean="0">
-                <a:solidFill>
-                  <a:srgbClr val="024761"/>
-                </a:solidFill>
-                <a:latin typeface="Avenir Book"/>
-                <a:cs typeface="Avenir Book"/>
-              </a:rPr>
-              <a:t>Has aborted, receives vote request: ignores it</a:t>
-            </a:r>
-          </a:p>
-        </p:txBody>
-      </p:sp>
+        </p:txBody>
+      </p:sp>
+      <p:pic>
+        <p:nvPicPr>
+          <p:cNvPr id="7" name="Picture 6" descr="Screen Shot 2015-11-28 at 11.48.19 AM.png"/>
+          <p:cNvPicPr>
+            <a:picLocks noChangeAspect="1"/>
+          </p:cNvPicPr>
+          <p:nvPr/>
+        </p:nvPicPr>
+        <p:blipFill>
+          <a:blip r:embed="rId2">
+            <a:extLst>
+              <a:ext uri="{28A0092B-C50C-407E-A947-70E740481C1C}">
+                <a14:useLocalDpi xmlns:a14="http://schemas.microsoft.com/office/drawing/2010/main" val="0"/>
+              </a:ext>
+            </a:extLst>
+          </a:blip>
+          <a:stretch>
+            <a:fillRect/>
+          </a:stretch>
+        </p:blipFill>
+        <p:spPr>
+          <a:xfrm>
+            <a:off x="0" y="1144948"/>
+            <a:ext cx="9131300" cy="3600450"/>
+          </a:xfrm>
+          <a:prstGeom prst="rect">
+            <a:avLst/>
+          </a:prstGeom>
+        </p:spPr>
+      </p:pic>
     </p:spTree>
     <p:extLst>
       <p:ext uri="{BB962C8B-B14F-4D97-AF65-F5344CB8AC3E}">
-        <p14:creationId xmlns:p14="http://schemas.microsoft.com/office/powerpoint/2010/main" val="1997881920"/>
+        <p14:creationId xmlns:p14="http://schemas.microsoft.com/office/powerpoint/2010/main" val="2415858022"/>
       </p:ext>
     </p:extLst>
   </p:cSld>
@@ -10793,155 +10644,6 @@
           <a:p>
             <a:r>
               <a:rPr lang="en-US" dirty="0" smtClean="0"/>
-              <a:t>Performance analysis - description</a:t>
-            </a:r>
-            <a:endParaRPr lang="en-US" dirty="0"/>
-          </a:p>
-        </p:txBody>
-      </p:sp>
-    </p:spTree>
-    <p:extLst>
-      <p:ext uri="{BB962C8B-B14F-4D97-AF65-F5344CB8AC3E}">
-        <p14:creationId xmlns:p14="http://schemas.microsoft.com/office/powerpoint/2010/main" val="1986769827"/>
-      </p:ext>
-    </p:extLst>
-  </p:cSld>
-  <p:clrMapOvr>
-    <a:masterClrMapping/>
-  </p:clrMapOvr>
-</p:sld>
-</file>
-
-<file path=ppt/slides/slide26.xml><?xml version="1.0" encoding="utf-8"?>
-<p:sld xmlns:a="http://schemas.openxmlformats.org/drawingml/2006/main" xmlns:r="http://schemas.openxmlformats.org/officeDocument/2006/relationships" xmlns:p="http://schemas.openxmlformats.org/presentationml/2006/main">
-  <p:cSld>
-    <p:spTree>
-      <p:nvGrpSpPr>
-        <p:cNvPr id="1" name=""/>
-        <p:cNvGrpSpPr/>
-        <p:nvPr/>
-      </p:nvGrpSpPr>
-      <p:grpSpPr>
-        <a:xfrm>
-          <a:off x="0" y="0"/>
-          <a:ext cx="0" cy="0"/>
-          <a:chOff x="0" y="0"/>
-          <a:chExt cx="0" cy="0"/>
-        </a:xfrm>
-      </p:grpSpPr>
-      <p:sp>
-        <p:nvSpPr>
-          <p:cNvPr id="5" name="TextBox 4"/>
-          <p:cNvSpPr txBox="1"/>
-          <p:nvPr/>
-        </p:nvSpPr>
-        <p:spPr>
-          <a:xfrm>
-            <a:off x="635048" y="297219"/>
-            <a:ext cx="7713103" cy="461665"/>
-          </a:xfrm>
-          <a:prstGeom prst="rect">
-            <a:avLst/>
-          </a:prstGeom>
-          <a:noFill/>
-        </p:spPr>
-        <p:txBody>
-          <a:bodyPr wrap="none" rtlCol="0">
-            <a:spAutoFit/>
-          </a:bodyPr>
-          <a:lstStyle/>
-          <a:p>
-            <a:r>
-              <a:rPr lang="en-US" sz="2400" b="1" dirty="0" smtClean="0">
-                <a:latin typeface="Avenir Book"/>
-                <a:cs typeface="Avenir Book"/>
-              </a:rPr>
-              <a:t>Response Time by Number of Transactions per Second</a:t>
-            </a:r>
-            <a:endParaRPr lang="en-US" sz="2400" b="1" dirty="0">
-              <a:latin typeface="Avenir Book"/>
-              <a:cs typeface="Avenir Book"/>
-            </a:endParaRPr>
-          </a:p>
-        </p:txBody>
-      </p:sp>
-      <p:pic>
-        <p:nvPicPr>
-          <p:cNvPr id="7" name="Picture 6" descr="Screen Shot 2015-11-28 at 11.48.19 AM.png"/>
-          <p:cNvPicPr>
-            <a:picLocks noChangeAspect="1"/>
-          </p:cNvPicPr>
-          <p:nvPr/>
-        </p:nvPicPr>
-        <p:blipFill>
-          <a:blip r:embed="rId2">
-            <a:extLst>
-              <a:ext uri="{28A0092B-C50C-407E-A947-70E740481C1C}">
-                <a14:useLocalDpi xmlns:a14="http://schemas.microsoft.com/office/drawing/2010/main" val="0"/>
-              </a:ext>
-            </a:extLst>
-          </a:blip>
-          <a:stretch>
-            <a:fillRect/>
-          </a:stretch>
-        </p:blipFill>
-        <p:spPr>
-          <a:xfrm>
-            <a:off x="0" y="1144948"/>
-            <a:ext cx="9131300" cy="3600450"/>
-          </a:xfrm>
-          <a:prstGeom prst="rect">
-            <a:avLst/>
-          </a:prstGeom>
-        </p:spPr>
-      </p:pic>
-    </p:spTree>
-    <p:extLst>
-      <p:ext uri="{BB962C8B-B14F-4D97-AF65-F5344CB8AC3E}">
-        <p14:creationId xmlns:p14="http://schemas.microsoft.com/office/powerpoint/2010/main" val="2415858022"/>
-      </p:ext>
-    </p:extLst>
-  </p:cSld>
-  <p:clrMapOvr>
-    <a:masterClrMapping/>
-  </p:clrMapOvr>
-</p:sld>
-</file>
-
-<file path=ppt/slides/slide27.xml><?xml version="1.0" encoding="utf-8"?>
-<p:sld xmlns:a="http://schemas.openxmlformats.org/drawingml/2006/main" xmlns:r="http://schemas.openxmlformats.org/officeDocument/2006/relationships" xmlns:p="http://schemas.openxmlformats.org/presentationml/2006/main">
-  <p:cSld>
-    <p:spTree>
-      <p:nvGrpSpPr>
-        <p:cNvPr id="1" name=""/>
-        <p:cNvGrpSpPr/>
-        <p:nvPr/>
-      </p:nvGrpSpPr>
-      <p:grpSpPr>
-        <a:xfrm>
-          <a:off x="0" y="0"/>
-          <a:ext cx="0" cy="0"/>
-          <a:chOff x="0" y="0"/>
-          <a:chExt cx="0" cy="0"/>
-        </a:xfrm>
-      </p:grpSpPr>
-      <p:sp>
-        <p:nvSpPr>
-          <p:cNvPr id="2" name="Title 1"/>
-          <p:cNvSpPr>
-            <a:spLocks noGrp="1"/>
-          </p:cNvSpPr>
-          <p:nvPr>
-            <p:ph type="title"/>
-          </p:nvPr>
-        </p:nvSpPr>
-        <p:spPr/>
-        <p:txBody>
-          <a:bodyPr/>
-          <a:lstStyle/>
-          <a:p>
-            <a:r>
-              <a:rPr lang="en-US" dirty="0" smtClean="0"/>
               <a:t>demo</a:t>
             </a:r>
             <a:endParaRPr lang="en-US" dirty="0"/>
@@ -10956,7 +10658,7 @@
         </p:nvSpPr>
         <p:spPr>
           <a:xfrm rot="16200000">
-            <a:off x="3079751" y="-1035052"/>
+            <a:off x="3065237" y="-1020538"/>
             <a:ext cx="5029200" cy="7099301"/>
           </a:xfrm>
           <a:prstGeom prst="rtTriangle">
@@ -11269,6 +10971,10 @@
             <a:r>
               <a:rPr lang="en-US" dirty="0" err="1" smtClean="0"/>
               <a:t>tcp</a:t>
+            </a:r>
+            <a:r>
+              <a:rPr lang="en-US" dirty="0" smtClean="0"/>
+              <a:t> - decoding</a:t>
             </a:r>
             <a:endParaRPr lang="en-US" dirty="0"/>
           </a:p>

--- a/512pp.pptx
+++ b/512pp.pptx
@@ -7424,7 +7424,7 @@
         <p:spPr>
           <a:xfrm>
             <a:off x="768638" y="1329767"/>
-            <a:ext cx="7575261" cy="1918474"/>
+            <a:ext cx="7575261" cy="1938992"/>
           </a:xfrm>
           <a:prstGeom prst="rect">
             <a:avLst/>
@@ -7577,7 +7577,27 @@
                 <a:latin typeface="Avenir Book"/>
                 <a:cs typeface="Avenir Book"/>
               </a:rPr>
-              <a:t>abort the RM will iterate List&lt;Operations&gt; and undo from recent to oldest</a:t>
+              <a:t>abort the RM will iterate List&lt;Operations&gt; and undo from </a:t>
+            </a:r>
+            <a:r>
+              <a:rPr lang="en-US" sz="1600" i="1" dirty="0" smtClean="0">
+                <a:solidFill>
+                  <a:srgbClr val="024761"/>
+                </a:solidFill>
+                <a:latin typeface="Avenir Book"/>
+                <a:cs typeface="Avenir Book"/>
+              </a:rPr>
+              <a:t>most recent </a:t>
+            </a:r>
+            <a:r>
+              <a:rPr lang="en-US" sz="1600" i="1" dirty="0" smtClean="0">
+                <a:solidFill>
+                  <a:srgbClr val="024761"/>
+                </a:solidFill>
+                <a:latin typeface="Avenir Book"/>
+                <a:cs typeface="Avenir Book"/>
+              </a:rPr>
+              <a:t>to oldest</a:t>
             </a:r>
             <a:endParaRPr lang="en-US" sz="1600" dirty="0" smtClean="0">
               <a:solidFill>
@@ -8942,6 +8962,13 @@
   <p:clrMapOvr>
     <a:masterClrMapping/>
   </p:clrMapOvr>
+  <p:timing>
+    <p:tnLst>
+      <p:par>
+        <p:cTn id="1" dur="indefinite" restart="never" nodeType="tmRoot"/>
+      </p:par>
+    </p:tnLst>
+  </p:timing>
 </p:sld>
 </file>
 
@@ -9068,37 +9095,7 @@
                 <a:latin typeface="Avenir Book"/>
                 <a:cs typeface="Avenir Book"/>
               </a:rPr>
-              <a:t>Upon </a:t>
-            </a:r>
-            <a:r>
-              <a:rPr lang="en-US" sz="1600" dirty="0" smtClean="0">
-                <a:solidFill>
-                  <a:srgbClr val="024761"/>
-                </a:solidFill>
-                <a:latin typeface="Avenir Book"/>
-                <a:cs typeface="Avenir Book"/>
-              </a:rPr>
-              <a:t>initialization </a:t>
-            </a:r>
-            <a:r>
-              <a:rPr lang="en-US" sz="1600" dirty="0" smtClean="0">
-                <a:solidFill>
-                  <a:srgbClr val="024761"/>
-                </a:solidFill>
-                <a:latin typeface="Avenir Book"/>
-                <a:cs typeface="Avenir Book"/>
-              </a:rPr>
-              <a:t>(MW </a:t>
-            </a:r>
-            <a:r>
-              <a:rPr lang="en-US" sz="1600" dirty="0" smtClean="0">
-                <a:solidFill>
-                  <a:srgbClr val="024761"/>
-                </a:solidFill>
-                <a:latin typeface="Avenir Book"/>
-                <a:cs typeface="Avenir Book"/>
-              </a:rPr>
-              <a:t>or RM) check for existing backup file</a:t>
+              <a:t>Upon initialization (MW or RM) check for existing backup file</a:t>
             </a:r>
           </a:p>
           <a:p>
@@ -9191,6 +9188,13 @@
   <p:clrMapOvr>
     <a:masterClrMapping/>
   </p:clrMapOvr>
+  <p:timing>
+    <p:tnLst>
+      <p:par>
+        <p:cTn id="1" dur="indefinite" restart="never" nodeType="tmRoot"/>
+      </p:par>
+    </p:tnLst>
+  </p:timing>
 </p:sld>
 </file>
 
@@ -9555,6 +9559,13 @@
   <p:clrMapOvr>
     <a:masterClrMapping/>
   </p:clrMapOvr>
+  <p:timing>
+    <p:tnLst>
+      <p:par>
+        <p:cTn id="1" dur="indefinite" restart="never" nodeType="tmRoot"/>
+      </p:par>
+    </p:tnLst>
+  </p:timing>
 </p:sld>
 </file>
 
@@ -9845,6 +9856,13 @@
   <p:clrMapOvr>
     <a:masterClrMapping/>
   </p:clrMapOvr>
+  <p:timing>
+    <p:tnLst>
+      <p:par>
+        <p:cTn id="1" dur="indefinite" restart="never" nodeType="tmRoot"/>
+      </p:par>
+    </p:tnLst>
+  </p:timing>
 </p:sld>
 </file>
 
@@ -10186,6 +10204,13 @@
   <p:clrMapOvr>
     <a:masterClrMapping/>
   </p:clrMapOvr>
+  <p:timing>
+    <p:tnLst>
+      <p:par>
+        <p:cTn id="1" dur="indefinite" restart="never" nodeType="tmRoot"/>
+      </p:par>
+    </p:tnLst>
+  </p:timing>
 </p:sld>
 </file>
 
@@ -10511,6 +10536,13 @@
   <p:clrMapOvr>
     <a:masterClrMapping/>
   </p:clrMapOvr>
+  <p:timing>
+    <p:tnLst>
+      <p:par>
+        <p:cTn id="1" dur="indefinite" restart="never" nodeType="tmRoot"/>
+      </p:par>
+    </p:tnLst>
+  </p:timing>
 </p:sld>
 </file>
 
@@ -10607,6 +10639,13 @@
   <p:clrMapOvr>
     <a:masterClrMapping/>
   </p:clrMapOvr>
+  <p:timing>
+    <p:tnLst>
+      <p:par>
+        <p:cTn id="1" dur="indefinite" restart="never" nodeType="tmRoot"/>
+      </p:par>
+    </p:tnLst>
+  </p:timing>
 </p:sld>
 </file>
 
@@ -10709,6 +10748,13 @@
   <p:clrMapOvr>
     <a:masterClrMapping/>
   </p:clrMapOvr>
+  <p:timing>
+    <p:tnLst>
+      <p:par>
+        <p:cTn id="1" dur="indefinite" restart="never" nodeType="tmRoot"/>
+      </p:par>
+    </p:tnLst>
+  </p:timing>
 </p:sld>
 </file>
 

--- a/512pp.pptx
+++ b/512pp.pptx
@@ -7577,27 +7577,7 @@
                 <a:latin typeface="Avenir Book"/>
                 <a:cs typeface="Avenir Book"/>
               </a:rPr>
-              <a:t>abort the RM will iterate List&lt;Operations&gt; and undo from </a:t>
-            </a:r>
-            <a:r>
-              <a:rPr lang="en-US" sz="1600" i="1" dirty="0" smtClean="0">
-                <a:solidFill>
-                  <a:srgbClr val="024761"/>
-                </a:solidFill>
-                <a:latin typeface="Avenir Book"/>
-                <a:cs typeface="Avenir Book"/>
-              </a:rPr>
-              <a:t>most recent </a:t>
-            </a:r>
-            <a:r>
-              <a:rPr lang="en-US" sz="1600" i="1" dirty="0" smtClean="0">
-                <a:solidFill>
-                  <a:srgbClr val="024761"/>
-                </a:solidFill>
-                <a:latin typeface="Avenir Book"/>
-                <a:cs typeface="Avenir Book"/>
-              </a:rPr>
-              <a:t>to oldest</a:t>
+              <a:t>abort the RM will iterate List&lt;Operations&gt; and undo from most recent to oldest</a:t>
             </a:r>
             <a:endParaRPr lang="en-US" sz="1600" dirty="0" smtClean="0">
               <a:solidFill>
@@ -10408,7 +10388,18 @@
                 <a:cs typeface="Avenir Book"/>
                 <a:sym typeface="Wingdings"/>
               </a:rPr>
-              <a:t> try resend) – abort transaction</a:t>
+              <a:t> try resend) </a:t>
+            </a:r>
+            <a:r>
+              <a:rPr lang="en-US" sz="1600" dirty="0" smtClean="0">
+                <a:solidFill>
+                  <a:srgbClr val="024761"/>
+                </a:solidFill>
+                <a:latin typeface="Avenir Book"/>
+                <a:cs typeface="Avenir Book"/>
+                <a:sym typeface="Wingdings"/>
+              </a:rPr>
+              <a:t>– do nothing</a:t>
             </a:r>
             <a:endParaRPr lang="en-US" sz="1600" dirty="0" smtClean="0">
               <a:solidFill>
